--- a/marks_figures/Supp Figs Mar 07.pptx
+++ b/marks_figures/Supp Figs Mar 07.pptx
@@ -8,8 +8,8 @@
     <p:notesMasterId r:id="rId4"/>
   </p:notesMasterIdLst>
   <p:sldIdLst>
-    <p:sldId id="259" r:id="rId2"/>
-    <p:sldId id="260" r:id="rId3"/>
+    <p:sldId id="260" r:id="rId2"/>
+    <p:sldId id="259" r:id="rId3"/>
   </p:sldIdLst>
   <p:sldSz cx="5943600" cy="8229600"/>
   <p:notesSz cx="6858000" cy="9144000"/>
@@ -198,7 +198,7 @@
           <a:p>
             <a:fld id="{69EC49D2-9F92-AC48-A3A7-407ADBEC9EB1}" type="datetimeFigureOut">
               <a:rPr lang="en-US" smtClean="0"/>
-              <a:t>3/7/19</a:t>
+              <a:t>3/8/19</a:t>
             </a:fld>
             <a:endParaRPr lang="en-US"/>
           </a:p>
@@ -531,7 +531,7 @@
           <a:p>
             <a:fld id="{684C39CA-2334-4C41-BF32-CF31612D45B9}" type="slidenum">
               <a:rPr lang="en-US" smtClean="0"/>
-              <a:t>1</a:t>
+              <a:t>2</a:t>
             </a:fld>
             <a:endParaRPr lang="en-US"/>
           </a:p>
@@ -681,7 +681,7 @@
           <a:p>
             <a:fld id="{525C40F0-445F-BE44-99EA-0B81A46F05C5}" type="datetimeFigureOut">
               <a:rPr lang="en-US" smtClean="0"/>
-              <a:t>3/7/19</a:t>
+              <a:t>3/8/19</a:t>
             </a:fld>
             <a:endParaRPr lang="en-US"/>
           </a:p>
@@ -851,7 +851,7 @@
           <a:p>
             <a:fld id="{525C40F0-445F-BE44-99EA-0B81A46F05C5}" type="datetimeFigureOut">
               <a:rPr lang="en-US" smtClean="0"/>
-              <a:t>3/7/19</a:t>
+              <a:t>3/8/19</a:t>
             </a:fld>
             <a:endParaRPr lang="en-US"/>
           </a:p>
@@ -1031,7 +1031,7 @@
           <a:p>
             <a:fld id="{525C40F0-445F-BE44-99EA-0B81A46F05C5}" type="datetimeFigureOut">
               <a:rPr lang="en-US" smtClean="0"/>
-              <a:t>3/7/19</a:t>
+              <a:t>3/8/19</a:t>
             </a:fld>
             <a:endParaRPr lang="en-US"/>
           </a:p>
@@ -1201,7 +1201,7 @@
           <a:p>
             <a:fld id="{525C40F0-445F-BE44-99EA-0B81A46F05C5}" type="datetimeFigureOut">
               <a:rPr lang="en-US" smtClean="0"/>
-              <a:t>3/7/19</a:t>
+              <a:t>3/8/19</a:t>
             </a:fld>
             <a:endParaRPr lang="en-US"/>
           </a:p>
@@ -1445,7 +1445,7 @@
           <a:p>
             <a:fld id="{525C40F0-445F-BE44-99EA-0B81A46F05C5}" type="datetimeFigureOut">
               <a:rPr lang="en-US" smtClean="0"/>
-              <a:t>3/7/19</a:t>
+              <a:t>3/8/19</a:t>
             </a:fld>
             <a:endParaRPr lang="en-US"/>
           </a:p>
@@ -1677,7 +1677,7 @@
           <a:p>
             <a:fld id="{525C40F0-445F-BE44-99EA-0B81A46F05C5}" type="datetimeFigureOut">
               <a:rPr lang="en-US" smtClean="0"/>
-              <a:t>3/7/19</a:t>
+              <a:t>3/8/19</a:t>
             </a:fld>
             <a:endParaRPr lang="en-US"/>
           </a:p>
@@ -2044,7 +2044,7 @@
           <a:p>
             <a:fld id="{525C40F0-445F-BE44-99EA-0B81A46F05C5}" type="datetimeFigureOut">
               <a:rPr lang="en-US" smtClean="0"/>
-              <a:t>3/7/19</a:t>
+              <a:t>3/8/19</a:t>
             </a:fld>
             <a:endParaRPr lang="en-US"/>
           </a:p>
@@ -2162,7 +2162,7 @@
           <a:p>
             <a:fld id="{525C40F0-445F-BE44-99EA-0B81A46F05C5}" type="datetimeFigureOut">
               <a:rPr lang="en-US" smtClean="0"/>
-              <a:t>3/7/19</a:t>
+              <a:t>3/8/19</a:t>
             </a:fld>
             <a:endParaRPr lang="en-US"/>
           </a:p>
@@ -2257,7 +2257,7 @@
           <a:p>
             <a:fld id="{525C40F0-445F-BE44-99EA-0B81A46F05C5}" type="datetimeFigureOut">
               <a:rPr lang="en-US" smtClean="0"/>
-              <a:t>3/7/19</a:t>
+              <a:t>3/8/19</a:t>
             </a:fld>
             <a:endParaRPr lang="en-US"/>
           </a:p>
@@ -2534,7 +2534,7 @@
           <a:p>
             <a:fld id="{525C40F0-445F-BE44-99EA-0B81A46F05C5}" type="datetimeFigureOut">
               <a:rPr lang="en-US" smtClean="0"/>
-              <a:t>3/7/19</a:t>
+              <a:t>3/8/19</a:t>
             </a:fld>
             <a:endParaRPr lang="en-US"/>
           </a:p>
@@ -2791,7 +2791,7 @@
           <a:p>
             <a:fld id="{525C40F0-445F-BE44-99EA-0B81A46F05C5}" type="datetimeFigureOut">
               <a:rPr lang="en-US" smtClean="0"/>
-              <a:t>3/7/19</a:t>
+              <a:t>3/8/19</a:t>
             </a:fld>
             <a:endParaRPr lang="en-US"/>
           </a:p>
@@ -3004,7 +3004,7 @@
           <a:p>
             <a:fld id="{525C40F0-445F-BE44-99EA-0B81A46F05C5}" type="datetimeFigureOut">
               <a:rPr lang="en-US" smtClean="0"/>
-              <a:t>3/7/19</a:t>
+              <a:t>3/8/19</a:t>
             </a:fld>
             <a:endParaRPr lang="en-US"/>
           </a:p>
@@ -3409,6 +3409,376 @@
           <a:chExt cx="0" cy="0"/>
         </a:xfrm>
       </p:grpSpPr>
+      <p:sp>
+        <p:nvSpPr>
+          <p:cNvPr id="4" name="TextBox 3"/>
+          <p:cNvSpPr txBox="1"/>
+          <p:nvPr/>
+        </p:nvSpPr>
+        <p:spPr>
+          <a:xfrm>
+            <a:off x="550238" y="1819582"/>
+            <a:ext cx="2060500" cy="307777"/>
+          </a:xfrm>
+          <a:prstGeom prst="rect">
+            <a:avLst/>
+          </a:prstGeom>
+          <a:noFill/>
+        </p:spPr>
+        <p:txBody>
+          <a:bodyPr wrap="square" rtlCol="0">
+            <a:spAutoFit/>
+          </a:bodyPr>
+          <a:lstStyle/>
+          <a:p>
+            <a:r>
+              <a:rPr lang="en-US" sz="1400" b="1" smtClean="0">
+                <a:latin typeface="Arial" charset="0"/>
+                <a:ea typeface="Arial" charset="0"/>
+                <a:cs typeface="Arial" charset="0"/>
+              </a:rPr>
+              <a:t>Pre-APC correction</a:t>
+            </a:r>
+            <a:endParaRPr lang="en-US" sz="1400" b="1" dirty="0">
+              <a:latin typeface="Arial" charset="0"/>
+              <a:ea typeface="Arial" charset="0"/>
+              <a:cs typeface="Arial" charset="0"/>
+            </a:endParaRPr>
+          </a:p>
+        </p:txBody>
+      </p:sp>
+      <p:sp>
+        <p:nvSpPr>
+          <p:cNvPr id="5" name="TextBox 4"/>
+          <p:cNvSpPr txBox="1"/>
+          <p:nvPr/>
+        </p:nvSpPr>
+        <p:spPr>
+          <a:xfrm>
+            <a:off x="3279422" y="1829341"/>
+            <a:ext cx="2060500" cy="307777"/>
+          </a:xfrm>
+          <a:prstGeom prst="rect">
+            <a:avLst/>
+          </a:prstGeom>
+          <a:noFill/>
+        </p:spPr>
+        <p:txBody>
+          <a:bodyPr wrap="square" rtlCol="0">
+            <a:spAutoFit/>
+          </a:bodyPr>
+          <a:lstStyle/>
+          <a:p>
+            <a:r>
+              <a:rPr lang="en-US" sz="1400" b="1" dirty="0" smtClean="0">
+                <a:latin typeface="Arial" charset="0"/>
+                <a:ea typeface="Arial" charset="0"/>
+                <a:cs typeface="Arial" charset="0"/>
+              </a:rPr>
+              <a:t>Post-APC correction</a:t>
+            </a:r>
+            <a:endParaRPr lang="en-US" sz="1400" b="1" dirty="0">
+              <a:latin typeface="Arial" charset="0"/>
+              <a:ea typeface="Arial" charset="0"/>
+              <a:cs typeface="Arial" charset="0"/>
+            </a:endParaRPr>
+          </a:p>
+        </p:txBody>
+      </p:sp>
+      <p:sp>
+        <p:nvSpPr>
+          <p:cNvPr id="6" name="TextBox 5"/>
+          <p:cNvSpPr txBox="1"/>
+          <p:nvPr/>
+        </p:nvSpPr>
+        <p:spPr>
+          <a:xfrm>
+            <a:off x="2188564" y="1313847"/>
+            <a:ext cx="2660754" cy="307777"/>
+          </a:xfrm>
+          <a:prstGeom prst="rect">
+            <a:avLst/>
+          </a:prstGeom>
+          <a:noFill/>
+        </p:spPr>
+        <p:txBody>
+          <a:bodyPr wrap="square" rtlCol="0">
+            <a:spAutoFit/>
+          </a:bodyPr>
+          <a:lstStyle/>
+          <a:p>
+            <a:r>
+              <a:rPr lang="en-US" sz="1400" b="1" smtClean="0">
+                <a:latin typeface="Arial" charset="0"/>
+                <a:ea typeface="Arial" charset="0"/>
+                <a:cs typeface="Arial" charset="0"/>
+              </a:rPr>
+              <a:t>tRNA</a:t>
+            </a:r>
+            <a:r>
+              <a:rPr lang="en-US" sz="1400" b="1" dirty="0" smtClean="0">
+                <a:latin typeface="Arial" charset="0"/>
+                <a:ea typeface="Arial" charset="0"/>
+                <a:cs typeface="Arial" charset="0"/>
+              </a:rPr>
+              <a:t> </a:t>
+            </a:r>
+            <a:r>
+              <a:rPr lang="mr-IN" sz="1400" b="1" dirty="0" smtClean="0">
+                <a:latin typeface="Arial" charset="0"/>
+                <a:ea typeface="Arial" charset="0"/>
+                <a:cs typeface="Arial" charset="0"/>
+              </a:rPr>
+              <a:t>–</a:t>
+            </a:r>
+            <a:r>
+              <a:rPr lang="en-US" sz="1400" b="1" dirty="0" smtClean="0">
+                <a:latin typeface="Arial" charset="0"/>
+                <a:ea typeface="Arial" charset="0"/>
+                <a:cs typeface="Arial" charset="0"/>
+              </a:rPr>
+              <a:t> RF00005</a:t>
+            </a:r>
+            <a:endParaRPr lang="en-US" sz="1400" b="1" dirty="0">
+              <a:latin typeface="Arial" charset="0"/>
+              <a:ea typeface="Arial" charset="0"/>
+              <a:cs typeface="Arial" charset="0"/>
+            </a:endParaRPr>
+          </a:p>
+        </p:txBody>
+      </p:sp>
+      <p:sp>
+        <p:nvSpPr>
+          <p:cNvPr id="7" name="TextBox 6"/>
+          <p:cNvSpPr txBox="1"/>
+          <p:nvPr/>
+        </p:nvSpPr>
+        <p:spPr>
+          <a:xfrm>
+            <a:off x="0" y="5317179"/>
+            <a:ext cx="5943600" cy="1107996"/>
+          </a:xfrm>
+          <a:prstGeom prst="rect">
+            <a:avLst/>
+          </a:prstGeom>
+          <a:noFill/>
+        </p:spPr>
+        <p:txBody>
+          <a:bodyPr wrap="square" rtlCol="0">
+            <a:spAutoFit/>
+          </a:bodyPr>
+          <a:lstStyle/>
+          <a:p>
+            <a:r>
+              <a:rPr lang="en-US" sz="1100" b="1" dirty="0" smtClean="0">
+                <a:latin typeface="Arial" charset="0"/>
+                <a:ea typeface="Arial" charset="0"/>
+                <a:cs typeface="Arial" charset="0"/>
+              </a:rPr>
+              <a:t>Supplementary Figure </a:t>
+            </a:r>
+            <a:r>
+              <a:rPr lang="en-US" sz="1100" b="1" dirty="0" smtClean="0">
+                <a:latin typeface="Arial" charset="0"/>
+                <a:ea typeface="Arial" charset="0"/>
+                <a:cs typeface="Arial" charset="0"/>
+              </a:rPr>
+              <a:t>1</a:t>
+            </a:r>
+            <a:r>
+              <a:rPr lang="en-US" sz="1100" dirty="0" smtClean="0">
+                <a:latin typeface="Arial" charset="0"/>
+                <a:ea typeface="Arial" charset="0"/>
+                <a:cs typeface="Arial" charset="0"/>
+              </a:rPr>
+              <a:t>: Example of noise reduction afforded by an APC correction on the </a:t>
+            </a:r>
+            <a:r>
+              <a:rPr lang="en-US" sz="1100" dirty="0" err="1" smtClean="0">
+                <a:latin typeface="Arial" charset="0"/>
+                <a:ea typeface="Arial" charset="0"/>
+                <a:cs typeface="Arial" charset="0"/>
+              </a:rPr>
+              <a:t>SoM</a:t>
+            </a:r>
+            <a:r>
+              <a:rPr lang="en-US" sz="1100" dirty="0" smtClean="0">
+                <a:latin typeface="Arial" charset="0"/>
+                <a:ea typeface="Arial" charset="0"/>
+                <a:cs typeface="Arial" charset="0"/>
+              </a:rPr>
+              <a:t> results for an MLP trained on the alignment for </a:t>
+            </a:r>
+            <a:r>
+              <a:rPr lang="en-US" sz="1100" dirty="0" err="1" smtClean="0">
+                <a:latin typeface="Arial" charset="0"/>
+                <a:ea typeface="Arial" charset="0"/>
+                <a:cs typeface="Arial" charset="0"/>
+              </a:rPr>
+              <a:t>tRNA</a:t>
+            </a:r>
+            <a:r>
+              <a:rPr lang="en-US" sz="1100" dirty="0" smtClean="0">
+                <a:latin typeface="Arial" charset="0"/>
+                <a:ea typeface="Arial" charset="0"/>
+                <a:cs typeface="Arial" charset="0"/>
+              </a:rPr>
+              <a:t> (RF0005). </a:t>
+            </a:r>
+            <a:r>
+              <a:rPr lang="en-US" sz="1100" dirty="0" err="1" smtClean="0">
+                <a:latin typeface="Arial" charset="0"/>
+                <a:ea typeface="Arial" charset="0"/>
+                <a:cs typeface="Arial" charset="0"/>
+              </a:rPr>
+              <a:t>SoM</a:t>
+            </a:r>
+            <a:r>
+              <a:rPr lang="en-US" sz="1100" dirty="0" smtClean="0">
+                <a:latin typeface="Arial" charset="0"/>
+                <a:ea typeface="Arial" charset="0"/>
+                <a:cs typeface="Arial" charset="0"/>
+              </a:rPr>
+              <a:t> scores are averaged across </a:t>
+            </a:r>
+            <a:r>
+              <a:rPr lang="en-US" sz="1100" dirty="0" err="1" smtClean="0">
+                <a:latin typeface="Arial" charset="0"/>
+                <a:ea typeface="Arial" charset="0"/>
+                <a:cs typeface="Arial" charset="0"/>
+              </a:rPr>
+              <a:t>SoM</a:t>
+            </a:r>
+            <a:r>
+              <a:rPr lang="en-US" sz="1100" dirty="0" smtClean="0">
+                <a:latin typeface="Arial" charset="0"/>
+                <a:ea typeface="Arial" charset="0"/>
+                <a:cs typeface="Arial" charset="0"/>
+              </a:rPr>
+              <a:t> on 500 sequences from the test set. Before the correction, there is a lot of background noise from reductions caused additive mutations in the rows and columns. An APC correction removes this noise making the scores associated with base pairs in the </a:t>
+            </a:r>
+            <a:r>
+              <a:rPr lang="en-US" sz="1100" dirty="0" err="1" smtClean="0">
+                <a:latin typeface="Arial" charset="0"/>
+                <a:ea typeface="Arial" charset="0"/>
+                <a:cs typeface="Arial" charset="0"/>
+              </a:rPr>
+              <a:t>tRNA</a:t>
+            </a:r>
+            <a:r>
+              <a:rPr lang="en-US" sz="1100" dirty="0" smtClean="0">
+                <a:latin typeface="Arial" charset="0"/>
+                <a:ea typeface="Arial" charset="0"/>
+                <a:cs typeface="Arial" charset="0"/>
+              </a:rPr>
+              <a:t> </a:t>
+            </a:r>
+            <a:r>
+              <a:rPr lang="en-US" sz="1100" dirty="0" smtClean="0">
+                <a:latin typeface="Arial" charset="0"/>
+                <a:ea typeface="Arial" charset="0"/>
+                <a:cs typeface="Arial" charset="0"/>
+              </a:rPr>
+              <a:t>structure visible.</a:t>
+            </a:r>
+            <a:endParaRPr lang="en-US" sz="1100" dirty="0">
+              <a:latin typeface="Arial" charset="0"/>
+              <a:ea typeface="Arial" charset="0"/>
+              <a:cs typeface="Arial" charset="0"/>
+            </a:endParaRPr>
+          </a:p>
+        </p:txBody>
+      </p:sp>
+      <p:pic>
+        <p:nvPicPr>
+          <p:cNvPr id="8" name="Picture 7"/>
+          <p:cNvPicPr>
+            <a:picLocks noChangeAspect="1"/>
+          </p:cNvPicPr>
+          <p:nvPr/>
+        </p:nvPicPr>
+        <p:blipFill>
+          <a:blip r:embed="rId2">
+            <a:extLst>
+              <a:ext uri="{28A0092B-C50C-407E-A947-70E740481C1C}">
+                <a14:useLocalDpi xmlns:a14="http://schemas.microsoft.com/office/drawing/2010/main" val="0"/>
+              </a:ext>
+            </a:extLst>
+          </a:blip>
+          <a:stretch>
+            <a:fillRect/>
+          </a:stretch>
+        </p:blipFill>
+        <p:spPr>
+          <a:xfrm>
+            <a:off x="359764" y="2244776"/>
+            <a:ext cx="2441448" cy="2441448"/>
+          </a:xfrm>
+          <a:prstGeom prst="rect">
+            <a:avLst/>
+          </a:prstGeom>
+        </p:spPr>
+      </p:pic>
+      <p:pic>
+        <p:nvPicPr>
+          <p:cNvPr id="9" name="Picture 8"/>
+          <p:cNvPicPr>
+            <a:picLocks noChangeAspect="1"/>
+          </p:cNvPicPr>
+          <p:nvPr/>
+        </p:nvPicPr>
+        <p:blipFill>
+          <a:blip r:embed="rId3">
+            <a:extLst>
+              <a:ext uri="{28A0092B-C50C-407E-A947-70E740481C1C}">
+                <a14:useLocalDpi xmlns:a14="http://schemas.microsoft.com/office/drawing/2010/main" val="0"/>
+              </a:ext>
+            </a:extLst>
+          </a:blip>
+          <a:stretch>
+            <a:fillRect/>
+          </a:stretch>
+        </p:blipFill>
+        <p:spPr>
+          <a:xfrm>
+            <a:off x="3088948" y="2244776"/>
+            <a:ext cx="2441448" cy="2441448"/>
+          </a:xfrm>
+          <a:prstGeom prst="rect">
+            <a:avLst/>
+          </a:prstGeom>
+        </p:spPr>
+      </p:pic>
+    </p:spTree>
+    <p:extLst>
+      <p:ext uri="{BB962C8B-B14F-4D97-AF65-F5344CB8AC3E}">
+        <p14:creationId xmlns:p14="http://schemas.microsoft.com/office/powerpoint/2010/main" val="1108864213"/>
+      </p:ext>
+    </p:extLst>
+  </p:cSld>
+  <p:clrMapOvr>
+    <a:masterClrMapping/>
+  </p:clrMapOvr>
+</p:sld>
+</file>
+
+<file path=ppt/slides/slide2.xml><?xml version="1.0" encoding="utf-8"?>
+<p:sld xmlns:a="http://schemas.openxmlformats.org/drawingml/2006/main" xmlns:r="http://schemas.openxmlformats.org/officeDocument/2006/relationships" xmlns:p="http://schemas.openxmlformats.org/presentationml/2006/main">
+  <p:cSld>
+    <p:spTree>
+      <p:nvGrpSpPr>
+        <p:cNvPr id="1" name=""/>
+        <p:cNvGrpSpPr/>
+        <p:nvPr/>
+      </p:nvGrpSpPr>
+      <p:grpSpPr>
+        <a:xfrm>
+          <a:off x="0" y="0"/>
+          <a:ext cx="0" cy="0"/>
+          <a:chOff x="0" y="0"/>
+          <a:chExt cx="0" cy="0"/>
+        </a:xfrm>
+      </p:grpSpPr>
       <p:pic>
         <p:nvPicPr>
           <p:cNvPr id="4" name="Picture 3"/>
@@ -3431,7 +3801,7 @@
         </p:blipFill>
         <p:spPr>
           <a:xfrm>
-            <a:off x="3460289" y="1714162"/>
+            <a:off x="3020023" y="1019896"/>
             <a:ext cx="1614792" cy="1614792"/>
           </a:xfrm>
           <a:prstGeom prst="rect">
@@ -3461,7 +3831,7 @@
         </p:blipFill>
         <p:spPr>
           <a:xfrm>
-            <a:off x="3467164" y="3271174"/>
+            <a:off x="3026898" y="2576908"/>
             <a:ext cx="1614792" cy="1614792"/>
           </a:xfrm>
           <a:prstGeom prst="rect">
@@ -3491,7 +3861,7 @@
         </p:blipFill>
         <p:spPr>
           <a:xfrm>
-            <a:off x="3467171" y="4834012"/>
+            <a:off x="3026905" y="4139746"/>
             <a:ext cx="1614786" cy="1614786"/>
           </a:xfrm>
           <a:prstGeom prst="rect">
@@ -3521,7 +3891,7 @@
         </p:blipFill>
         <p:spPr>
           <a:xfrm>
-            <a:off x="1049745" y="1728051"/>
+            <a:off x="1231568" y="1033785"/>
             <a:ext cx="1618488" cy="1618488"/>
           </a:xfrm>
           <a:prstGeom prst="rect">
@@ -3551,7 +3921,7 @@
         </p:blipFill>
         <p:spPr>
           <a:xfrm>
-            <a:off x="1049745" y="3288759"/>
+            <a:off x="1231568" y="2594493"/>
             <a:ext cx="1618488" cy="1618488"/>
           </a:xfrm>
           <a:prstGeom prst="rect">
@@ -3581,7 +3951,7 @@
         </p:blipFill>
         <p:spPr>
           <a:xfrm>
-            <a:off x="1049745" y="4845058"/>
+            <a:off x="1231568" y="4150792"/>
             <a:ext cx="1618488" cy="1618488"/>
           </a:xfrm>
           <a:prstGeom prst="rect">
@@ -3597,8 +3967,8 @@
         </p:nvSpPr>
         <p:spPr>
           <a:xfrm>
-            <a:off x="492374" y="229532"/>
-            <a:ext cx="773722" cy="461665"/>
+            <a:off x="1267090" y="302747"/>
+            <a:ext cx="1582966" cy="707886"/>
           </a:xfrm>
           <a:prstGeom prst="rect">
             <a:avLst/>
@@ -3612,23 +3982,54 @@
           <a:lstStyle/>
           <a:p>
             <a:r>
-              <a:rPr lang="en-US" sz="2400" b="1" dirty="0" smtClean="0"/>
+              <a:rPr lang="en-US" sz="2000" b="1" smtClean="0">
+                <a:latin typeface="Arial" charset="0"/>
+                <a:ea typeface="Arial" charset="0"/>
+                <a:cs typeface="Arial" charset="0"/>
+              </a:rPr>
               <a:t>A </a:t>
             </a:r>
-            <a:endParaRPr lang="en-US" sz="2400" b="1" dirty="0"/>
-          </a:p>
-        </p:txBody>
-      </p:sp>
-      <p:sp>
-        <p:nvSpPr>
-          <p:cNvPr id="17" name="TextBox 16"/>
+            <a:endParaRPr lang="en-US" sz="2000" b="1" dirty="0" smtClean="0">
+              <a:latin typeface="Arial" charset="0"/>
+              <a:ea typeface="Arial" charset="0"/>
+              <a:cs typeface="Arial" charset="0"/>
+            </a:endParaRPr>
+          </a:p>
+          <a:p>
+            <a:r>
+              <a:rPr lang="en-US" sz="1100" b="1" dirty="0" smtClean="0">
+                <a:latin typeface="Arial" charset="0"/>
+                <a:ea typeface="Arial" charset="0"/>
+                <a:cs typeface="Arial" charset="0"/>
+              </a:rPr>
+              <a:t>Glycine Riboswitch</a:t>
+            </a:r>
+            <a:r>
+              <a:rPr lang="en-US" sz="2000" b="1" dirty="0" smtClean="0">
+                <a:latin typeface="Arial" charset="0"/>
+                <a:ea typeface="Arial" charset="0"/>
+                <a:cs typeface="Arial" charset="0"/>
+              </a:rPr>
+              <a:t> </a:t>
+            </a:r>
+            <a:endParaRPr lang="en-US" sz="2000" b="1" dirty="0">
+              <a:latin typeface="Arial" charset="0"/>
+              <a:ea typeface="Arial" charset="0"/>
+              <a:cs typeface="Arial" charset="0"/>
+            </a:endParaRPr>
+          </a:p>
+        </p:txBody>
+      </p:sp>
+      <p:sp>
+        <p:nvSpPr>
+          <p:cNvPr id="18" name="TextBox 17"/>
           <p:cNvSpPr txBox="1"/>
           <p:nvPr/>
         </p:nvSpPr>
         <p:spPr>
           <a:xfrm>
-            <a:off x="3112035" y="208432"/>
-            <a:ext cx="773722" cy="461665"/>
+            <a:off x="0" y="6312015"/>
+            <a:ext cx="5943600" cy="1446550"/>
           </a:xfrm>
           <a:prstGeom prst="rect">
             <a:avLst/>
@@ -3642,27 +4043,159 @@
           <a:lstStyle/>
           <a:p>
             <a:r>
-              <a:rPr lang="en-US" sz="2400" b="1" dirty="0"/>
-              <a:t>B</a:t>
-            </a:r>
-            <a:r>
-              <a:rPr lang="en-US" sz="2400" b="1" dirty="0" smtClean="0"/>
+              <a:rPr lang="en-US" sz="1100" b="1" dirty="0" smtClean="0">
+                <a:latin typeface="Arial" charset="0"/>
+                <a:ea typeface="Arial" charset="0"/>
+                <a:cs typeface="Arial" charset="0"/>
+              </a:rPr>
+              <a:t>Supplementary Figure </a:t>
+            </a:r>
+            <a:r>
+              <a:rPr lang="en-US" sz="1100" b="1" dirty="0" smtClean="0">
+                <a:latin typeface="Arial" charset="0"/>
+                <a:ea typeface="Arial" charset="0"/>
+                <a:cs typeface="Arial" charset="0"/>
+              </a:rPr>
+              <a:t>2</a:t>
+            </a:r>
+            <a:r>
+              <a:rPr lang="en-US" sz="1100" dirty="0" smtClean="0">
+                <a:latin typeface="Arial" charset="0"/>
+                <a:ea typeface="Arial" charset="0"/>
+                <a:cs typeface="Arial" charset="0"/>
+              </a:rPr>
+              <a:t>: </a:t>
+            </a:r>
+            <a:r>
+              <a:rPr lang="en-US" sz="1100" dirty="0" smtClean="0">
+                <a:latin typeface="Arial" charset="0"/>
+                <a:ea typeface="Arial" charset="0"/>
+                <a:cs typeface="Arial" charset="0"/>
+              </a:rPr>
+              <a:t>Example </a:t>
+            </a:r>
+            <a:r>
+              <a:rPr lang="en-US" sz="1100" dirty="0" err="1" smtClean="0">
+                <a:latin typeface="Arial" charset="0"/>
+                <a:ea typeface="Arial" charset="0"/>
+                <a:cs typeface="Arial" charset="0"/>
+              </a:rPr>
+              <a:t>SoM</a:t>
+            </a:r>
+            <a:r>
+              <a:rPr lang="en-US" sz="1100" dirty="0" smtClean="0">
+                <a:latin typeface="Arial" charset="0"/>
+                <a:ea typeface="Arial" charset="0"/>
+                <a:cs typeface="Arial" charset="0"/>
+              </a:rPr>
+              <a:t> results from MLPs trained </a:t>
+            </a:r>
+            <a:r>
+              <a:rPr lang="en-US" sz="1100" dirty="0" smtClean="0">
+                <a:latin typeface="Arial" charset="0"/>
+                <a:ea typeface="Arial" charset="0"/>
+                <a:cs typeface="Arial" charset="0"/>
+              </a:rPr>
+              <a:t>(</a:t>
+            </a:r>
+            <a:r>
+              <a:rPr lang="en-US" sz="1100" dirty="0" smtClean="0">
+                <a:latin typeface="Arial" charset="0"/>
+                <a:ea typeface="Arial" charset="0"/>
+                <a:cs typeface="Arial" charset="0"/>
+              </a:rPr>
+              <a:t>A)  Glycine Riboswitch </a:t>
+            </a:r>
+            <a:r>
+              <a:rPr lang="mr-IN" sz="1100" dirty="0" smtClean="0">
+                <a:latin typeface="Arial" charset="0"/>
+                <a:ea typeface="Arial" charset="0"/>
+                <a:cs typeface="Arial" charset="0"/>
+              </a:rPr>
+              <a:t>–</a:t>
+            </a:r>
+            <a:r>
+              <a:rPr lang="en-US" sz="1100" dirty="0">
+                <a:latin typeface="Arial" charset="0"/>
+                <a:ea typeface="Arial" charset="0"/>
+                <a:cs typeface="Arial" charset="0"/>
+              </a:rPr>
               <a:t> </a:t>
             </a:r>
-            <a:endParaRPr lang="en-US" sz="2400" b="1" dirty="0"/>
-          </a:p>
-        </p:txBody>
-      </p:sp>
-      <p:sp>
-        <p:nvSpPr>
-          <p:cNvPr id="18" name="TextBox 17"/>
+            <a:r>
+              <a:rPr lang="en-US" sz="1100" dirty="0" smtClean="0">
+                <a:latin typeface="Arial" charset="0"/>
+                <a:ea typeface="Arial" charset="0"/>
+                <a:cs typeface="Arial" charset="0"/>
+              </a:rPr>
+              <a:t>RF00504 (an alignment of 91 nucleotides in length) and (B) transfer-messenger RNA </a:t>
+            </a:r>
+            <a:r>
+              <a:rPr lang="mr-IN" sz="1100" dirty="0" smtClean="0">
+                <a:latin typeface="Arial" charset="0"/>
+                <a:ea typeface="Arial" charset="0"/>
+                <a:cs typeface="Arial" charset="0"/>
+              </a:rPr>
+              <a:t>–</a:t>
+            </a:r>
+            <a:r>
+              <a:rPr lang="en-US" sz="1100" dirty="0" smtClean="0">
+                <a:latin typeface="Arial" charset="0"/>
+                <a:ea typeface="Arial" charset="0"/>
+                <a:cs typeface="Arial" charset="0"/>
+              </a:rPr>
+              <a:t> RF00023 (an alignment of 366 length</a:t>
+            </a:r>
+            <a:r>
+              <a:rPr lang="en-US" sz="1100" dirty="0" smtClean="0">
+                <a:latin typeface="Arial" charset="0"/>
+                <a:ea typeface="Arial" charset="0"/>
+                <a:cs typeface="Arial" charset="0"/>
+              </a:rPr>
+              <a:t>) at training set sizes of 1000, 800 and 300 sequences. </a:t>
+            </a:r>
+            <a:r>
+              <a:rPr lang="en-US" sz="1100" dirty="0" smtClean="0">
+                <a:latin typeface="Arial" charset="0"/>
+                <a:ea typeface="Arial" charset="0"/>
+                <a:cs typeface="Arial" charset="0"/>
+              </a:rPr>
+              <a:t>The </a:t>
+            </a:r>
+            <a:r>
+              <a:rPr lang="en-US" sz="1100" dirty="0" err="1" smtClean="0">
+                <a:latin typeface="Arial" charset="0"/>
+                <a:ea typeface="Arial" charset="0"/>
+                <a:cs typeface="Arial" charset="0"/>
+              </a:rPr>
+              <a:t>SoM</a:t>
+            </a:r>
+            <a:r>
+              <a:rPr lang="en-US" sz="1100" dirty="0" smtClean="0">
+                <a:latin typeface="Arial" charset="0"/>
+                <a:ea typeface="Arial" charset="0"/>
+                <a:cs typeface="Arial" charset="0"/>
+              </a:rPr>
+              <a:t> results get less clear as the training size decreases for both families, suggesting that depth of training set is an important factor that influences an MLPs ability to learn structure. The results for MLPs trained on Glycine Riboswitch seems to be more robust to lower training sizes, suggesting that even with shallow training sets, an MLP can still learn structure if the alignment is short.</a:t>
+            </a:r>
+            <a:endParaRPr lang="en-US" sz="1100" dirty="0">
+              <a:latin typeface="Arial" charset="0"/>
+              <a:ea typeface="Arial" charset="0"/>
+              <a:cs typeface="Arial" charset="0"/>
+            </a:endParaRPr>
+          </a:p>
+        </p:txBody>
+      </p:sp>
+      <p:sp>
+        <p:nvSpPr>
+          <p:cNvPr id="12" name="TextBox 11"/>
           <p:cNvSpPr txBox="1"/>
           <p:nvPr/>
         </p:nvSpPr>
         <p:spPr>
           <a:xfrm>
-            <a:off x="0" y="6611815"/>
-            <a:ext cx="5943600" cy="1277273"/>
+            <a:off x="292956" y="1684670"/>
+            <a:ext cx="773722" cy="307777"/>
           </a:xfrm>
           <a:prstGeom prst="rect">
             <a:avLst/>
@@ -3676,94 +4209,184 @@
           <a:lstStyle/>
           <a:p>
             <a:r>
+              <a:rPr lang="en-US" sz="1400" b="1" dirty="0" smtClean="0">
+                <a:latin typeface="Arial" charset="0"/>
+                <a:ea typeface="Arial" charset="0"/>
+                <a:cs typeface="Arial" charset="0"/>
+              </a:rPr>
+              <a:t>1000</a:t>
+            </a:r>
+            <a:endParaRPr lang="en-US" sz="1400" b="1" dirty="0">
+              <a:latin typeface="Arial" charset="0"/>
+              <a:ea typeface="Arial" charset="0"/>
+              <a:cs typeface="Arial" charset="0"/>
+            </a:endParaRPr>
+          </a:p>
+        </p:txBody>
+      </p:sp>
+      <p:sp>
+        <p:nvSpPr>
+          <p:cNvPr id="13" name="TextBox 12"/>
+          <p:cNvSpPr txBox="1"/>
+          <p:nvPr/>
+        </p:nvSpPr>
+        <p:spPr>
+          <a:xfrm>
+            <a:off x="3098008" y="302747"/>
+            <a:ext cx="1668863" cy="738664"/>
+          </a:xfrm>
+          <a:prstGeom prst="rect">
+            <a:avLst/>
+          </a:prstGeom>
+          <a:noFill/>
+        </p:spPr>
+        <p:txBody>
+          <a:bodyPr wrap="square" rtlCol="0">
+            <a:spAutoFit/>
+          </a:bodyPr>
+          <a:lstStyle/>
+          <a:p>
+            <a:r>
+              <a:rPr lang="en-US" sz="2000" b="1" dirty="0">
+                <a:latin typeface="Arial" charset="0"/>
+                <a:ea typeface="Arial" charset="0"/>
+                <a:cs typeface="Arial" charset="0"/>
+              </a:rPr>
+              <a:t>B</a:t>
+            </a:r>
+            <a:r>
+              <a:rPr lang="en-US" sz="2000" b="1" dirty="0" smtClean="0">
+                <a:latin typeface="Arial" charset="0"/>
+                <a:ea typeface="Arial" charset="0"/>
+                <a:cs typeface="Arial" charset="0"/>
+              </a:rPr>
+              <a:t> </a:t>
+            </a:r>
+          </a:p>
+          <a:p>
+            <a:r>
               <a:rPr lang="en-US" sz="1100" b="1" dirty="0" smtClean="0">
                 <a:latin typeface="Arial" charset="0"/>
                 <a:ea typeface="Arial" charset="0"/>
                 <a:cs typeface="Arial" charset="0"/>
               </a:rPr>
-              <a:t>Supplementary Figure X</a:t>
-            </a:r>
-            <a:r>
-              <a:rPr lang="en-US" sz="1100" dirty="0" smtClean="0">
+              <a:t>Transfer—messenger RNA</a:t>
+            </a:r>
+            <a:endParaRPr lang="en-US" sz="2000" b="1" dirty="0">
+              <a:latin typeface="Arial" charset="0"/>
+              <a:ea typeface="Arial" charset="0"/>
+              <a:cs typeface="Arial" charset="0"/>
+            </a:endParaRPr>
+          </a:p>
+        </p:txBody>
+      </p:sp>
+      <p:sp>
+        <p:nvSpPr>
+          <p:cNvPr id="19" name="TextBox 18"/>
+          <p:cNvSpPr txBox="1"/>
+          <p:nvPr/>
+        </p:nvSpPr>
+        <p:spPr>
+          <a:xfrm>
+            <a:off x="193537" y="1000947"/>
+            <a:ext cx="1066678" cy="523220"/>
+          </a:xfrm>
+          <a:prstGeom prst="rect">
+            <a:avLst/>
+          </a:prstGeom>
+          <a:noFill/>
+        </p:spPr>
+        <p:txBody>
+          <a:bodyPr wrap="square" rtlCol="0">
+            <a:spAutoFit/>
+          </a:bodyPr>
+          <a:lstStyle/>
+          <a:p>
+            <a:r>
+              <a:rPr lang="en-US" sz="1400" b="1" dirty="0" smtClean="0">
                 <a:latin typeface="Arial" charset="0"/>
                 <a:ea typeface="Arial" charset="0"/>
                 <a:cs typeface="Arial" charset="0"/>
               </a:rPr>
-              <a:t>: Example </a:t>
-            </a:r>
-            <a:r>
-              <a:rPr lang="en-US" sz="1100" dirty="0" err="1" smtClean="0">
+              <a:t>Training set size:</a:t>
+            </a:r>
+            <a:endParaRPr lang="en-US" sz="1400" b="1" dirty="0">
+              <a:latin typeface="Arial" charset="0"/>
+              <a:ea typeface="Arial" charset="0"/>
+              <a:cs typeface="Arial" charset="0"/>
+            </a:endParaRPr>
+          </a:p>
+        </p:txBody>
+      </p:sp>
+      <p:sp>
+        <p:nvSpPr>
+          <p:cNvPr id="20" name="TextBox 19"/>
+          <p:cNvSpPr txBox="1"/>
+          <p:nvPr/>
+        </p:nvSpPr>
+        <p:spPr>
+          <a:xfrm>
+            <a:off x="361362" y="3253499"/>
+            <a:ext cx="773722" cy="307777"/>
+          </a:xfrm>
+          <a:prstGeom prst="rect">
+            <a:avLst/>
+          </a:prstGeom>
+          <a:noFill/>
+        </p:spPr>
+        <p:txBody>
+          <a:bodyPr wrap="square" rtlCol="0">
+            <a:spAutoFit/>
+          </a:bodyPr>
+          <a:lstStyle/>
+          <a:p>
+            <a:r>
+              <a:rPr lang="en-US" sz="1400" b="1" dirty="0" smtClean="0">
                 <a:latin typeface="Arial" charset="0"/>
                 <a:ea typeface="Arial" charset="0"/>
                 <a:cs typeface="Arial" charset="0"/>
               </a:rPr>
-              <a:t>SoM</a:t>
-            </a:r>
-            <a:r>
-              <a:rPr lang="en-US" sz="1100" dirty="0" smtClean="0">
+              <a:t>800</a:t>
+            </a:r>
+            <a:endParaRPr lang="en-US" sz="1400" b="1" dirty="0">
+              <a:latin typeface="Arial" charset="0"/>
+              <a:ea typeface="Arial" charset="0"/>
+              <a:cs typeface="Arial" charset="0"/>
+            </a:endParaRPr>
+          </a:p>
+        </p:txBody>
+      </p:sp>
+      <p:sp>
+        <p:nvSpPr>
+          <p:cNvPr id="21" name="TextBox 20"/>
+          <p:cNvSpPr txBox="1"/>
+          <p:nvPr/>
+        </p:nvSpPr>
+        <p:spPr>
+          <a:xfrm>
+            <a:off x="361362" y="4834017"/>
+            <a:ext cx="773722" cy="307777"/>
+          </a:xfrm>
+          <a:prstGeom prst="rect">
+            <a:avLst/>
+          </a:prstGeom>
+          <a:noFill/>
+        </p:spPr>
+        <p:txBody>
+          <a:bodyPr wrap="square" rtlCol="0">
+            <a:spAutoFit/>
+          </a:bodyPr>
+          <a:lstStyle/>
+          <a:p>
+            <a:r>
+              <a:rPr lang="en-US" sz="1400" b="1" dirty="0" smtClean="0">
                 <a:latin typeface="Arial" charset="0"/>
                 <a:ea typeface="Arial" charset="0"/>
                 <a:cs typeface="Arial" charset="0"/>
               </a:rPr>
-              <a:t> results from MLPs trained on shallower training sets of (A)  Glycine Riboswitch </a:t>
-            </a:r>
-            <a:r>
-              <a:rPr lang="mr-IN" sz="1100" dirty="0" smtClean="0">
-                <a:latin typeface="Arial" charset="0"/>
-                <a:ea typeface="Arial" charset="0"/>
-                <a:cs typeface="Arial" charset="0"/>
-              </a:rPr>
-              <a:t>–</a:t>
-            </a:r>
-            <a:r>
-              <a:rPr lang="en-US" sz="1100" dirty="0">
-                <a:latin typeface="Arial" charset="0"/>
-                <a:ea typeface="Arial" charset="0"/>
-                <a:cs typeface="Arial" charset="0"/>
-              </a:rPr>
-              <a:t> </a:t>
-            </a:r>
-            <a:r>
-              <a:rPr lang="en-US" sz="1100" dirty="0" smtClean="0">
-                <a:latin typeface="Arial" charset="0"/>
-                <a:ea typeface="Arial" charset="0"/>
-                <a:cs typeface="Arial" charset="0"/>
-              </a:rPr>
-              <a:t>RF00504 (an alignment of 91 nucleotides in length) and (B) transfer-messenger RNA </a:t>
-            </a:r>
-            <a:r>
-              <a:rPr lang="mr-IN" sz="1100" dirty="0" smtClean="0">
-                <a:latin typeface="Arial" charset="0"/>
-                <a:ea typeface="Arial" charset="0"/>
-                <a:cs typeface="Arial" charset="0"/>
-              </a:rPr>
-              <a:t>–</a:t>
-            </a:r>
-            <a:r>
-              <a:rPr lang="en-US" sz="1100" dirty="0" smtClean="0">
-                <a:latin typeface="Arial" charset="0"/>
-                <a:ea typeface="Arial" charset="0"/>
-                <a:cs typeface="Arial" charset="0"/>
-              </a:rPr>
-              <a:t> RF00023 (an alignment of 366 length). The </a:t>
-            </a:r>
-            <a:r>
-              <a:rPr lang="en-US" sz="1100" dirty="0" err="1" smtClean="0">
-                <a:latin typeface="Arial" charset="0"/>
-                <a:ea typeface="Arial" charset="0"/>
-                <a:cs typeface="Arial" charset="0"/>
-              </a:rPr>
-              <a:t>SoM</a:t>
-            </a:r>
-            <a:r>
-              <a:rPr lang="en-US" sz="1100" dirty="0" smtClean="0">
-                <a:latin typeface="Arial" charset="0"/>
-                <a:ea typeface="Arial" charset="0"/>
-                <a:cs typeface="Arial" charset="0"/>
-              </a:rPr>
-              <a:t> results get less clear as the training size decreases for both families, suggesting that depth of training set is an important factor that influences an MLPs ability to learn structure. The results for MLPs trained on Glycine Riboswitch seems to be more robust to lower training sizes, suggesting that even with shallow training sets, an MLP can still learn structure if the alignment is short.</a:t>
-            </a:r>
-            <a:endParaRPr lang="en-US" sz="1100" dirty="0">
+              <a:t>300</a:t>
+            </a:r>
+            <a:endParaRPr lang="en-US" sz="1400" b="1" dirty="0">
               <a:latin typeface="Arial" charset="0"/>
               <a:ea typeface="Arial" charset="0"/>
               <a:cs typeface="Arial" charset="0"/>
@@ -3775,36 +4398,6 @@
     <p:extLst>
       <p:ext uri="{BB962C8B-B14F-4D97-AF65-F5344CB8AC3E}">
         <p14:creationId xmlns:p14="http://schemas.microsoft.com/office/powerpoint/2010/main" val="2007121789"/>
-      </p:ext>
-    </p:extLst>
-  </p:cSld>
-  <p:clrMapOvr>
-    <a:masterClrMapping/>
-  </p:clrMapOvr>
-</p:sld>
-</file>
-
-<file path=ppt/slides/slide2.xml><?xml version="1.0" encoding="utf-8"?>
-<p:sld xmlns:a="http://schemas.openxmlformats.org/drawingml/2006/main" xmlns:r="http://schemas.openxmlformats.org/officeDocument/2006/relationships" xmlns:p="http://schemas.openxmlformats.org/presentationml/2006/main">
-  <p:cSld>
-    <p:spTree>
-      <p:nvGrpSpPr>
-        <p:cNvPr id="1" name=""/>
-        <p:cNvGrpSpPr/>
-        <p:nvPr/>
-      </p:nvGrpSpPr>
-      <p:grpSpPr>
-        <a:xfrm>
-          <a:off x="0" y="0"/>
-          <a:ext cx="0" cy="0"/>
-          <a:chOff x="0" y="0"/>
-          <a:chExt cx="0" cy="0"/>
-        </a:xfrm>
-      </p:grpSpPr>
-    </p:spTree>
-    <p:extLst>
-      <p:ext uri="{BB962C8B-B14F-4D97-AF65-F5344CB8AC3E}">
-        <p14:creationId xmlns:p14="http://schemas.microsoft.com/office/powerpoint/2010/main" val="1108864213"/>
       </p:ext>
     </p:extLst>
   </p:cSld>

--- a/marks_figures/Supp Figs Mar 07.pptx
+++ b/marks_figures/Supp Figs Mar 07.pptx
@@ -5,11 +5,13 @@
     <p:sldMasterId id="2147483660" r:id="rId1"/>
   </p:sldMasterIdLst>
   <p:notesMasterIdLst>
-    <p:notesMasterId r:id="rId4"/>
+    <p:notesMasterId r:id="rId6"/>
   </p:notesMasterIdLst>
   <p:sldIdLst>
     <p:sldId id="260" r:id="rId2"/>
     <p:sldId id="259" r:id="rId3"/>
+    <p:sldId id="261" r:id="rId4"/>
+    <p:sldId id="262" r:id="rId5"/>
   </p:sldIdLst>
   <p:sldSz cx="5943600" cy="8229600"/>
   <p:notesSz cx="6858000" cy="9144000"/>
@@ -198,7 +200,7 @@
           <a:p>
             <a:fld id="{69EC49D2-9F92-AC48-A3A7-407ADBEC9EB1}" type="datetimeFigureOut">
               <a:rPr lang="en-US" smtClean="0"/>
-              <a:t>3/8/19</a:t>
+              <a:t>3/9/19</a:t>
             </a:fld>
             <a:endParaRPr lang="en-US"/>
           </a:p>
@@ -550,6 +552,190 @@
 </p:notes>
 </file>
 
+<file path=ppt/notesSlides/notesSlide2.xml><?xml version="1.0" encoding="utf-8"?>
+<p:notes xmlns:a="http://schemas.openxmlformats.org/drawingml/2006/main" xmlns:r="http://schemas.openxmlformats.org/officeDocument/2006/relationships" xmlns:p="http://schemas.openxmlformats.org/presentationml/2006/main">
+  <p:cSld>
+    <p:spTree>
+      <p:nvGrpSpPr>
+        <p:cNvPr id="1" name=""/>
+        <p:cNvGrpSpPr/>
+        <p:nvPr/>
+      </p:nvGrpSpPr>
+      <p:grpSpPr>
+        <a:xfrm>
+          <a:off x="0" y="0"/>
+          <a:ext cx="0" cy="0"/>
+          <a:chOff x="0" y="0"/>
+          <a:chExt cx="0" cy="0"/>
+        </a:xfrm>
+      </p:grpSpPr>
+      <p:sp>
+        <p:nvSpPr>
+          <p:cNvPr id="2" name="Slide Image Placeholder 1"/>
+          <p:cNvSpPr>
+            <a:spLocks noGrp="1" noRot="1" noChangeAspect="1"/>
+          </p:cNvSpPr>
+          <p:nvPr>
+            <p:ph type="sldImg"/>
+          </p:nvPr>
+        </p:nvSpPr>
+        <p:spPr/>
+      </p:sp>
+      <p:sp>
+        <p:nvSpPr>
+          <p:cNvPr id="3" name="Notes Placeholder 2"/>
+          <p:cNvSpPr>
+            <a:spLocks noGrp="1"/>
+          </p:cNvSpPr>
+          <p:nvPr>
+            <p:ph type="body" idx="1"/>
+          </p:nvPr>
+        </p:nvSpPr>
+        <p:spPr/>
+        <p:txBody>
+          <a:bodyPr/>
+          <a:lstStyle/>
+          <a:p>
+            <a:r>
+              <a:rPr lang="en-US" dirty="0" smtClean="0"/>
+              <a:t>Only </a:t>
+            </a:r>
+            <a:r>
+              <a:rPr lang="en-US" dirty="0" err="1" smtClean="0"/>
+              <a:t>pngs</a:t>
+            </a:r>
+            <a:endParaRPr lang="en-US" dirty="0"/>
+          </a:p>
+        </p:txBody>
+      </p:sp>
+      <p:sp>
+        <p:nvSpPr>
+          <p:cNvPr id="4" name="Slide Number Placeholder 3"/>
+          <p:cNvSpPr>
+            <a:spLocks noGrp="1"/>
+          </p:cNvSpPr>
+          <p:nvPr>
+            <p:ph type="sldNum" sz="quarter" idx="10"/>
+          </p:nvPr>
+        </p:nvSpPr>
+        <p:spPr/>
+        <p:txBody>
+          <a:bodyPr/>
+          <a:lstStyle/>
+          <a:p>
+            <a:fld id="{C27BA345-8A62-8444-B8C9-C8BE83CEF4E2}" type="slidenum">
+              <a:rPr lang="en-US" smtClean="0"/>
+              <a:t>3</a:t>
+            </a:fld>
+            <a:endParaRPr lang="en-US"/>
+          </a:p>
+        </p:txBody>
+      </p:sp>
+    </p:spTree>
+    <p:extLst>
+      <p:ext uri="{BB962C8B-B14F-4D97-AF65-F5344CB8AC3E}">
+        <p14:creationId xmlns:p14="http://schemas.microsoft.com/office/powerpoint/2010/main" val="335852016"/>
+      </p:ext>
+    </p:extLst>
+  </p:cSld>
+  <p:clrMapOvr>
+    <a:masterClrMapping/>
+  </p:clrMapOvr>
+</p:notes>
+</file>
+
+<file path=ppt/notesSlides/notesSlide3.xml><?xml version="1.0" encoding="utf-8"?>
+<p:notes xmlns:a="http://schemas.openxmlformats.org/drawingml/2006/main" xmlns:r="http://schemas.openxmlformats.org/officeDocument/2006/relationships" xmlns:p="http://schemas.openxmlformats.org/presentationml/2006/main">
+  <p:cSld>
+    <p:spTree>
+      <p:nvGrpSpPr>
+        <p:cNvPr id="1" name=""/>
+        <p:cNvGrpSpPr/>
+        <p:nvPr/>
+      </p:nvGrpSpPr>
+      <p:grpSpPr>
+        <a:xfrm>
+          <a:off x="0" y="0"/>
+          <a:ext cx="0" cy="0"/>
+          <a:chOff x="0" y="0"/>
+          <a:chExt cx="0" cy="0"/>
+        </a:xfrm>
+      </p:grpSpPr>
+      <p:sp>
+        <p:nvSpPr>
+          <p:cNvPr id="2" name="Slide Image Placeholder 1"/>
+          <p:cNvSpPr>
+            <a:spLocks noGrp="1" noRot="1" noChangeAspect="1"/>
+          </p:cNvSpPr>
+          <p:nvPr>
+            <p:ph type="sldImg"/>
+          </p:nvPr>
+        </p:nvSpPr>
+        <p:spPr/>
+      </p:sp>
+      <p:sp>
+        <p:nvSpPr>
+          <p:cNvPr id="3" name="Notes Placeholder 2"/>
+          <p:cNvSpPr>
+            <a:spLocks noGrp="1"/>
+          </p:cNvSpPr>
+          <p:nvPr>
+            <p:ph type="body" idx="1"/>
+          </p:nvPr>
+        </p:nvSpPr>
+        <p:spPr/>
+        <p:txBody>
+          <a:bodyPr/>
+          <a:lstStyle/>
+          <a:p>
+            <a:r>
+              <a:rPr lang="en-US" dirty="0" smtClean="0"/>
+              <a:t>Only </a:t>
+            </a:r>
+            <a:r>
+              <a:rPr lang="en-US" dirty="0" err="1" smtClean="0"/>
+              <a:t>pngs</a:t>
+            </a:r>
+            <a:endParaRPr lang="en-US" dirty="0"/>
+          </a:p>
+        </p:txBody>
+      </p:sp>
+      <p:sp>
+        <p:nvSpPr>
+          <p:cNvPr id="4" name="Slide Number Placeholder 3"/>
+          <p:cNvSpPr>
+            <a:spLocks noGrp="1"/>
+          </p:cNvSpPr>
+          <p:nvPr>
+            <p:ph type="sldNum" sz="quarter" idx="10"/>
+          </p:nvPr>
+        </p:nvSpPr>
+        <p:spPr/>
+        <p:txBody>
+          <a:bodyPr/>
+          <a:lstStyle/>
+          <a:p>
+            <a:fld id="{C27BA345-8A62-8444-B8C9-C8BE83CEF4E2}" type="slidenum">
+              <a:rPr lang="en-US" smtClean="0"/>
+              <a:t>4</a:t>
+            </a:fld>
+            <a:endParaRPr lang="en-US"/>
+          </a:p>
+        </p:txBody>
+      </p:sp>
+    </p:spTree>
+    <p:extLst>
+      <p:ext uri="{BB962C8B-B14F-4D97-AF65-F5344CB8AC3E}">
+        <p14:creationId xmlns:p14="http://schemas.microsoft.com/office/powerpoint/2010/main" val="514248072"/>
+      </p:ext>
+    </p:extLst>
+  </p:cSld>
+  <p:clrMapOvr>
+    <a:masterClrMapping/>
+  </p:clrMapOvr>
+</p:notes>
+</file>
+
 <file path=ppt/slideLayouts/slideLayout1.xml><?xml version="1.0" encoding="utf-8"?>
 <p:sldLayout xmlns:a="http://schemas.openxmlformats.org/drawingml/2006/main" xmlns:r="http://schemas.openxmlformats.org/officeDocument/2006/relationships" xmlns:p="http://schemas.openxmlformats.org/presentationml/2006/main" type="title" preserve="1">
   <p:cSld name="Title Slide">
@@ -681,7 +867,7 @@
           <a:p>
             <a:fld id="{525C40F0-445F-BE44-99EA-0B81A46F05C5}" type="datetimeFigureOut">
               <a:rPr lang="en-US" smtClean="0"/>
-              <a:t>3/8/19</a:t>
+              <a:t>3/9/19</a:t>
             </a:fld>
             <a:endParaRPr lang="en-US"/>
           </a:p>
@@ -851,7 +1037,7 @@
           <a:p>
             <a:fld id="{525C40F0-445F-BE44-99EA-0B81A46F05C5}" type="datetimeFigureOut">
               <a:rPr lang="en-US" smtClean="0"/>
-              <a:t>3/8/19</a:t>
+              <a:t>3/9/19</a:t>
             </a:fld>
             <a:endParaRPr lang="en-US"/>
           </a:p>
@@ -1031,7 +1217,7 @@
           <a:p>
             <a:fld id="{525C40F0-445F-BE44-99EA-0B81A46F05C5}" type="datetimeFigureOut">
               <a:rPr lang="en-US" smtClean="0"/>
-              <a:t>3/8/19</a:t>
+              <a:t>3/9/19</a:t>
             </a:fld>
             <a:endParaRPr lang="en-US"/>
           </a:p>
@@ -1201,7 +1387,7 @@
           <a:p>
             <a:fld id="{525C40F0-445F-BE44-99EA-0B81A46F05C5}" type="datetimeFigureOut">
               <a:rPr lang="en-US" smtClean="0"/>
-              <a:t>3/8/19</a:t>
+              <a:t>3/9/19</a:t>
             </a:fld>
             <a:endParaRPr lang="en-US"/>
           </a:p>
@@ -1445,7 +1631,7 @@
           <a:p>
             <a:fld id="{525C40F0-445F-BE44-99EA-0B81A46F05C5}" type="datetimeFigureOut">
               <a:rPr lang="en-US" smtClean="0"/>
-              <a:t>3/8/19</a:t>
+              <a:t>3/9/19</a:t>
             </a:fld>
             <a:endParaRPr lang="en-US"/>
           </a:p>
@@ -1677,7 +1863,7 @@
           <a:p>
             <a:fld id="{525C40F0-445F-BE44-99EA-0B81A46F05C5}" type="datetimeFigureOut">
               <a:rPr lang="en-US" smtClean="0"/>
-              <a:t>3/8/19</a:t>
+              <a:t>3/9/19</a:t>
             </a:fld>
             <a:endParaRPr lang="en-US"/>
           </a:p>
@@ -2044,7 +2230,7 @@
           <a:p>
             <a:fld id="{525C40F0-445F-BE44-99EA-0B81A46F05C5}" type="datetimeFigureOut">
               <a:rPr lang="en-US" smtClean="0"/>
-              <a:t>3/8/19</a:t>
+              <a:t>3/9/19</a:t>
             </a:fld>
             <a:endParaRPr lang="en-US"/>
           </a:p>
@@ -2162,7 +2348,7 @@
           <a:p>
             <a:fld id="{525C40F0-445F-BE44-99EA-0B81A46F05C5}" type="datetimeFigureOut">
               <a:rPr lang="en-US" smtClean="0"/>
-              <a:t>3/8/19</a:t>
+              <a:t>3/9/19</a:t>
             </a:fld>
             <a:endParaRPr lang="en-US"/>
           </a:p>
@@ -2257,7 +2443,7 @@
           <a:p>
             <a:fld id="{525C40F0-445F-BE44-99EA-0B81A46F05C5}" type="datetimeFigureOut">
               <a:rPr lang="en-US" smtClean="0"/>
-              <a:t>3/8/19</a:t>
+              <a:t>3/9/19</a:t>
             </a:fld>
             <a:endParaRPr lang="en-US"/>
           </a:p>
@@ -2534,7 +2720,7 @@
           <a:p>
             <a:fld id="{525C40F0-445F-BE44-99EA-0B81A46F05C5}" type="datetimeFigureOut">
               <a:rPr lang="en-US" smtClean="0"/>
-              <a:t>3/8/19</a:t>
+              <a:t>3/9/19</a:t>
             </a:fld>
             <a:endParaRPr lang="en-US"/>
           </a:p>
@@ -2791,7 +2977,7 @@
           <a:p>
             <a:fld id="{525C40F0-445F-BE44-99EA-0B81A46F05C5}" type="datetimeFigureOut">
               <a:rPr lang="en-US" smtClean="0"/>
-              <a:t>3/8/19</a:t>
+              <a:t>3/9/19</a:t>
             </a:fld>
             <a:endParaRPr lang="en-US"/>
           </a:p>
@@ -3004,7 +3190,7 @@
           <a:p>
             <a:fld id="{525C40F0-445F-BE44-99EA-0B81A46F05C5}" type="datetimeFigureOut">
               <a:rPr lang="en-US" smtClean="0"/>
-              <a:t>3/8/19</a:t>
+              <a:t>3/9/19</a:t>
             </a:fld>
             <a:endParaRPr lang="en-US"/>
           </a:p>
@@ -3575,15 +3761,7 @@
                 <a:ea typeface="Arial" charset="0"/>
                 <a:cs typeface="Arial" charset="0"/>
               </a:rPr>
-              <a:t>Supplementary Figure </a:t>
-            </a:r>
-            <a:r>
-              <a:rPr lang="en-US" sz="1100" b="1" dirty="0" smtClean="0">
-                <a:latin typeface="Arial" charset="0"/>
-                <a:ea typeface="Arial" charset="0"/>
-                <a:cs typeface="Arial" charset="0"/>
-              </a:rPr>
-              <a:t>1</a:t>
+              <a:t>Supplementary Figure 1</a:t>
             </a:r>
             <a:r>
               <a:rPr lang="en-US" sz="1100" dirty="0" smtClean="0">
@@ -3671,15 +3849,7 @@
                 <a:ea typeface="Arial" charset="0"/>
                 <a:cs typeface="Arial" charset="0"/>
               </a:rPr>
-              <a:t> </a:t>
-            </a:r>
-            <a:r>
-              <a:rPr lang="en-US" sz="1100" dirty="0" smtClean="0">
-                <a:latin typeface="Arial" charset="0"/>
-                <a:ea typeface="Arial" charset="0"/>
-                <a:cs typeface="Arial" charset="0"/>
-              </a:rPr>
-              <a:t>structure visible.</a:t>
+              <a:t> structure visible.</a:t>
             </a:r>
             <a:endParaRPr lang="en-US" sz="1100" dirty="0">
               <a:latin typeface="Arial" charset="0"/>
@@ -4048,15 +4218,7 @@
                 <a:ea typeface="Arial" charset="0"/>
                 <a:cs typeface="Arial" charset="0"/>
               </a:rPr>
-              <a:t>Supplementary Figure </a:t>
-            </a:r>
-            <a:r>
-              <a:rPr lang="en-US" sz="1100" b="1" dirty="0" smtClean="0">
-                <a:latin typeface="Arial" charset="0"/>
-                <a:ea typeface="Arial" charset="0"/>
-                <a:cs typeface="Arial" charset="0"/>
-              </a:rPr>
-              <a:t>2</a:t>
+              <a:t>Supplementary Figure 2</a:t>
             </a:r>
             <a:r>
               <a:rPr lang="en-US" sz="1100" dirty="0" smtClean="0">
@@ -4064,7 +4226,15 @@
                 <a:ea typeface="Arial" charset="0"/>
                 <a:cs typeface="Arial" charset="0"/>
               </a:rPr>
-              <a:t>: </a:t>
+              <a:t>: Example </a:t>
+            </a:r>
+            <a:r>
+              <a:rPr lang="en-US" sz="1100" dirty="0" err="1" smtClean="0">
+                <a:latin typeface="Arial" charset="0"/>
+                <a:ea typeface="Arial" charset="0"/>
+                <a:cs typeface="Arial" charset="0"/>
+              </a:rPr>
+              <a:t>SoM</a:t>
             </a:r>
             <a:r>
               <a:rPr lang="en-US" sz="1100" dirty="0" smtClean="0">
@@ -4072,15 +4242,23 @@
                 <a:ea typeface="Arial" charset="0"/>
                 <a:cs typeface="Arial" charset="0"/>
               </a:rPr>
-              <a:t>Example </a:t>
-            </a:r>
-            <a:r>
-              <a:rPr lang="en-US" sz="1100" dirty="0" err="1" smtClean="0">
-                <a:latin typeface="Arial" charset="0"/>
-                <a:ea typeface="Arial" charset="0"/>
-                <a:cs typeface="Arial" charset="0"/>
-              </a:rPr>
-              <a:t>SoM</a:t>
+              <a:t> results from MLPs trained (A)  Glycine Riboswitch </a:t>
+            </a:r>
+            <a:r>
+              <a:rPr lang="mr-IN" sz="1100" dirty="0" smtClean="0">
+                <a:latin typeface="Arial" charset="0"/>
+                <a:ea typeface="Arial" charset="0"/>
+                <a:cs typeface="Arial" charset="0"/>
+              </a:rPr>
+              <a:t>–</a:t>
+            </a:r>
+            <a:r>
+              <a:rPr lang="en-US" sz="1100" dirty="0">
+                <a:latin typeface="Arial" charset="0"/>
+                <a:ea typeface="Arial" charset="0"/>
+                <a:cs typeface="Arial" charset="0"/>
+              </a:rPr>
+              <a:t> </a:t>
             </a:r>
             <a:r>
               <a:rPr lang="en-US" sz="1100" dirty="0" smtClean="0">
@@ -4088,7 +4266,15 @@
                 <a:ea typeface="Arial" charset="0"/>
                 <a:cs typeface="Arial" charset="0"/>
               </a:rPr>
-              <a:t> results from MLPs trained </a:t>
+              <a:t>RF00504 (an alignment of 91 nucleotides in length) and (B) transfer-messenger RNA </a:t>
+            </a:r>
+            <a:r>
+              <a:rPr lang="mr-IN" sz="1100" dirty="0" smtClean="0">
+                <a:latin typeface="Arial" charset="0"/>
+                <a:ea typeface="Arial" charset="0"/>
+                <a:cs typeface="Arial" charset="0"/>
+              </a:rPr>
+              <a:t>–</a:t>
             </a:r>
             <a:r>
               <a:rPr lang="en-US" sz="1100" dirty="0" smtClean="0">
@@ -4096,71 +4282,7 @@
                 <a:ea typeface="Arial" charset="0"/>
                 <a:cs typeface="Arial" charset="0"/>
               </a:rPr>
-              <a:t>(</a:t>
-            </a:r>
-            <a:r>
-              <a:rPr lang="en-US" sz="1100" dirty="0" smtClean="0">
-                <a:latin typeface="Arial" charset="0"/>
-                <a:ea typeface="Arial" charset="0"/>
-                <a:cs typeface="Arial" charset="0"/>
-              </a:rPr>
-              <a:t>A)  Glycine Riboswitch </a:t>
-            </a:r>
-            <a:r>
-              <a:rPr lang="mr-IN" sz="1100" dirty="0" smtClean="0">
-                <a:latin typeface="Arial" charset="0"/>
-                <a:ea typeface="Arial" charset="0"/>
-                <a:cs typeface="Arial" charset="0"/>
-              </a:rPr>
-              <a:t>–</a:t>
-            </a:r>
-            <a:r>
-              <a:rPr lang="en-US" sz="1100" dirty="0">
-                <a:latin typeface="Arial" charset="0"/>
-                <a:ea typeface="Arial" charset="0"/>
-                <a:cs typeface="Arial" charset="0"/>
-              </a:rPr>
-              <a:t> </a:t>
-            </a:r>
-            <a:r>
-              <a:rPr lang="en-US" sz="1100" dirty="0" smtClean="0">
-                <a:latin typeface="Arial" charset="0"/>
-                <a:ea typeface="Arial" charset="0"/>
-                <a:cs typeface="Arial" charset="0"/>
-              </a:rPr>
-              <a:t>RF00504 (an alignment of 91 nucleotides in length) and (B) transfer-messenger RNA </a:t>
-            </a:r>
-            <a:r>
-              <a:rPr lang="mr-IN" sz="1100" dirty="0" smtClean="0">
-                <a:latin typeface="Arial" charset="0"/>
-                <a:ea typeface="Arial" charset="0"/>
-                <a:cs typeface="Arial" charset="0"/>
-              </a:rPr>
-              <a:t>–</a:t>
-            </a:r>
-            <a:r>
-              <a:rPr lang="en-US" sz="1100" dirty="0" smtClean="0">
-                <a:latin typeface="Arial" charset="0"/>
-                <a:ea typeface="Arial" charset="0"/>
-                <a:cs typeface="Arial" charset="0"/>
-              </a:rPr>
-              <a:t> RF00023 (an alignment of 366 length</a:t>
-            </a:r>
-            <a:r>
-              <a:rPr lang="en-US" sz="1100" dirty="0" smtClean="0">
-                <a:latin typeface="Arial" charset="0"/>
-                <a:ea typeface="Arial" charset="0"/>
-                <a:cs typeface="Arial" charset="0"/>
-              </a:rPr>
-              <a:t>) at training set sizes of 1000, 800 and 300 sequences. </a:t>
-            </a:r>
-            <a:r>
-              <a:rPr lang="en-US" sz="1100" dirty="0" smtClean="0">
-                <a:latin typeface="Arial" charset="0"/>
-                <a:ea typeface="Arial" charset="0"/>
-                <a:cs typeface="Arial" charset="0"/>
-              </a:rPr>
-              <a:t>The </a:t>
+              <a:t> RF00023 (an alignment of 366 length) at training set sizes of 1000, 800 and 300 sequences. The </a:t>
             </a:r>
             <a:r>
               <a:rPr lang="en-US" sz="1100" dirty="0" err="1" smtClean="0">
@@ -4404,6 +4526,2298 @@
   <p:clrMapOvr>
     <a:masterClrMapping/>
   </p:clrMapOvr>
+</p:sld>
+</file>
+
+<file path=ppt/slides/slide3.xml><?xml version="1.0" encoding="utf-8"?>
+<p:sld xmlns:a="http://schemas.openxmlformats.org/drawingml/2006/main" xmlns:r="http://schemas.openxmlformats.org/officeDocument/2006/relationships" xmlns:p="http://schemas.openxmlformats.org/presentationml/2006/main">
+  <p:cSld>
+    <p:spTree>
+      <p:nvGrpSpPr>
+        <p:cNvPr id="1" name=""/>
+        <p:cNvGrpSpPr/>
+        <p:nvPr/>
+      </p:nvGrpSpPr>
+      <p:grpSpPr>
+        <a:xfrm>
+          <a:off x="0" y="0"/>
+          <a:ext cx="0" cy="0"/>
+          <a:chOff x="0" y="0"/>
+          <a:chExt cx="0" cy="0"/>
+        </a:xfrm>
+      </p:grpSpPr>
+      <p:pic>
+        <p:nvPicPr>
+          <p:cNvPr id="4" name="Picture 3"/>
+          <p:cNvPicPr>
+            <a:picLocks noChangeAspect="1"/>
+          </p:cNvPicPr>
+          <p:nvPr/>
+        </p:nvPicPr>
+        <p:blipFill>
+          <a:blip r:embed="rId3">
+            <a:extLst>
+              <a:ext uri="{28A0092B-C50C-407E-A947-70E740481C1C}">
+                <a14:useLocalDpi xmlns:a14="http://schemas.microsoft.com/office/drawing/2010/main" val="0"/>
+              </a:ext>
+            </a:extLst>
+          </a:blip>
+          <a:stretch>
+            <a:fillRect/>
+          </a:stretch>
+        </p:blipFill>
+        <p:spPr>
+          <a:xfrm>
+            <a:off x="380078" y="3882703"/>
+            <a:ext cx="4169664" cy="2084832"/>
+          </a:xfrm>
+          <a:prstGeom prst="rect">
+            <a:avLst/>
+          </a:prstGeom>
+        </p:spPr>
+      </p:pic>
+      <p:pic>
+        <p:nvPicPr>
+          <p:cNvPr id="2" name="Picture 1"/>
+          <p:cNvPicPr>
+            <a:picLocks noChangeAspect="1"/>
+          </p:cNvPicPr>
+          <p:nvPr/>
+        </p:nvPicPr>
+        <p:blipFill>
+          <a:blip r:embed="rId4">
+            <a:extLst>
+              <a:ext uri="{28A0092B-C50C-407E-A947-70E740481C1C}">
+                <a14:useLocalDpi xmlns:a14="http://schemas.microsoft.com/office/drawing/2010/main" val="0"/>
+              </a:ext>
+            </a:extLst>
+          </a:blip>
+          <a:stretch>
+            <a:fillRect/>
+          </a:stretch>
+        </p:blipFill>
+        <p:spPr>
+          <a:xfrm>
+            <a:off x="369811" y="890554"/>
+            <a:ext cx="4169664" cy="2084832"/>
+          </a:xfrm>
+          <a:prstGeom prst="rect">
+            <a:avLst/>
+          </a:prstGeom>
+        </p:spPr>
+      </p:pic>
+      <p:sp>
+        <p:nvSpPr>
+          <p:cNvPr id="9" name="TextBox 8"/>
+          <p:cNvSpPr txBox="1"/>
+          <p:nvPr/>
+        </p:nvSpPr>
+        <p:spPr>
+          <a:xfrm>
+            <a:off x="0" y="6302893"/>
+            <a:ext cx="5943600" cy="261610"/>
+          </a:xfrm>
+          <a:prstGeom prst="rect">
+            <a:avLst/>
+          </a:prstGeom>
+          <a:noFill/>
+        </p:spPr>
+        <p:txBody>
+          <a:bodyPr wrap="square" rtlCol="0">
+            <a:spAutoFit/>
+          </a:bodyPr>
+          <a:lstStyle/>
+          <a:p>
+            <a:r>
+              <a:rPr lang="en-US" sz="1100" b="1" dirty="0" smtClean="0">
+                <a:latin typeface="Arial" charset="0"/>
+                <a:ea typeface="Arial" charset="0"/>
+                <a:cs typeface="Arial" charset="0"/>
+              </a:rPr>
+              <a:t>Supplementary Figure 3: continued on next page.</a:t>
+            </a:r>
+            <a:endParaRPr lang="en-US" sz="1100" b="1" dirty="0">
+              <a:latin typeface="Arial" charset="0"/>
+              <a:ea typeface="Arial" charset="0"/>
+              <a:cs typeface="Arial" charset="0"/>
+            </a:endParaRPr>
+          </a:p>
+        </p:txBody>
+      </p:sp>
+      <p:sp>
+        <p:nvSpPr>
+          <p:cNvPr id="17" name="TextBox 16"/>
+          <p:cNvSpPr txBox="1"/>
+          <p:nvPr/>
+        </p:nvSpPr>
+        <p:spPr>
+          <a:xfrm>
+            <a:off x="369811" y="398111"/>
+            <a:ext cx="4169664" cy="492443"/>
+          </a:xfrm>
+          <a:prstGeom prst="rect">
+            <a:avLst/>
+          </a:prstGeom>
+          <a:noFill/>
+        </p:spPr>
+        <p:txBody>
+          <a:bodyPr wrap="square" rtlCol="0">
+            <a:spAutoFit/>
+          </a:bodyPr>
+          <a:lstStyle/>
+          <a:p>
+            <a:r>
+              <a:rPr lang="en-US" sz="1600" b="1" dirty="0" smtClean="0"/>
+              <a:t>A - </a:t>
+            </a:r>
+            <a:r>
+              <a:rPr lang="en-US" sz="1050" dirty="0">
+                <a:latin typeface="Arial" charset="0"/>
+                <a:ea typeface="Arial" charset="0"/>
+                <a:cs typeface="Arial" charset="0"/>
+              </a:rPr>
+              <a:t>Metazoan signal recognition particle </a:t>
+            </a:r>
+            <a:r>
+              <a:rPr lang="en-US" sz="1050" dirty="0" smtClean="0">
+                <a:latin typeface="Arial" charset="0"/>
+                <a:ea typeface="Arial" charset="0"/>
+                <a:cs typeface="Arial" charset="0"/>
+              </a:rPr>
+              <a:t>RNA (</a:t>
+            </a:r>
+            <a:r>
+              <a:rPr lang="en-US" sz="1050" dirty="0">
+                <a:latin typeface="Arial" charset="0"/>
+                <a:ea typeface="Arial" charset="0"/>
+                <a:cs typeface="Arial" charset="0"/>
+              </a:rPr>
+              <a:t>RF00017</a:t>
+            </a:r>
+            <a:r>
+              <a:rPr lang="en-US" sz="1050" dirty="0" smtClean="0">
+                <a:latin typeface="Arial" charset="0"/>
+                <a:ea typeface="Arial" charset="0"/>
+                <a:cs typeface="Arial" charset="0"/>
+              </a:rPr>
+              <a:t>)</a:t>
+            </a:r>
+          </a:p>
+          <a:p>
+            <a:r>
+              <a:rPr lang="en-US" sz="1000" dirty="0" smtClean="0">
+                <a:latin typeface="Arial" charset="0"/>
+                <a:ea typeface="Arial" charset="0"/>
+                <a:cs typeface="Arial" charset="0"/>
+              </a:rPr>
+              <a:t>	Length = 300	M = 22685	</a:t>
+            </a:r>
+            <a:r>
+              <a:rPr lang="en-US" sz="1000" dirty="0" err="1" smtClean="0">
+                <a:latin typeface="Arial" charset="0"/>
+                <a:ea typeface="Arial" charset="0"/>
+                <a:cs typeface="Arial" charset="0"/>
+              </a:rPr>
+              <a:t>M</a:t>
+            </a:r>
+            <a:r>
+              <a:rPr lang="en-US" sz="1000" baseline="-25000" dirty="0" err="1" smtClean="0">
+                <a:latin typeface="Arial" charset="0"/>
+                <a:ea typeface="Arial" charset="0"/>
+                <a:cs typeface="Arial" charset="0"/>
+              </a:rPr>
+              <a:t>eff</a:t>
+            </a:r>
+            <a:r>
+              <a:rPr lang="en-US" sz="1000" dirty="0" smtClean="0">
+                <a:latin typeface="Arial" charset="0"/>
+                <a:ea typeface="Arial" charset="0"/>
+                <a:cs typeface="Arial" charset="0"/>
+              </a:rPr>
+              <a:t> = 4358.5</a:t>
+            </a:r>
+            <a:endParaRPr lang="en-US" sz="1000" dirty="0">
+              <a:latin typeface="Arial" charset="0"/>
+              <a:ea typeface="Arial" charset="0"/>
+              <a:cs typeface="Arial" charset="0"/>
+            </a:endParaRPr>
+          </a:p>
+        </p:txBody>
+      </p:sp>
+      <p:grpSp>
+        <p:nvGrpSpPr>
+          <p:cNvPr id="30" name="Group 29"/>
+          <p:cNvGrpSpPr/>
+          <p:nvPr/>
+        </p:nvGrpSpPr>
+        <p:grpSpPr>
+          <a:xfrm>
+            <a:off x="4736051" y="4106954"/>
+            <a:ext cx="922957" cy="496413"/>
+            <a:chOff x="4632727" y="3008978"/>
+            <a:chExt cx="922957" cy="496413"/>
+          </a:xfrm>
+        </p:grpSpPr>
+        <p:sp>
+          <p:nvSpPr>
+            <p:cNvPr id="21" name="Rounded Rectangle 20"/>
+            <p:cNvSpPr/>
+            <p:nvPr/>
+          </p:nvSpPr>
+          <p:spPr>
+            <a:xfrm>
+              <a:off x="4632727" y="3024867"/>
+              <a:ext cx="862884" cy="455609"/>
+            </a:xfrm>
+            <a:prstGeom prst="roundRect">
+              <a:avLst/>
+            </a:prstGeom>
+            <a:noFill/>
+            <a:ln>
+              <a:solidFill>
+                <a:schemeClr val="accent3">
+                  <a:lumMod val="60000"/>
+                  <a:lumOff val="40000"/>
+                </a:schemeClr>
+              </a:solidFill>
+            </a:ln>
+          </p:spPr>
+          <p:style>
+            <a:lnRef idx="2">
+              <a:schemeClr val="accent1">
+                <a:shade val="50000"/>
+              </a:schemeClr>
+            </a:lnRef>
+            <a:fillRef idx="1">
+              <a:schemeClr val="accent1"/>
+            </a:fillRef>
+            <a:effectRef idx="0">
+              <a:schemeClr val="accent1"/>
+            </a:effectRef>
+            <a:fontRef idx="minor">
+              <a:schemeClr val="lt1"/>
+            </a:fontRef>
+          </p:style>
+          <p:txBody>
+            <a:bodyPr rtlCol="0" anchor="ctr"/>
+            <a:lstStyle/>
+            <a:p>
+              <a:pPr algn="ctr"/>
+              <a:endParaRPr lang="en-US"/>
+            </a:p>
+          </p:txBody>
+        </p:sp>
+        <p:sp>
+          <p:nvSpPr>
+            <p:cNvPr id="22" name="Oval 21"/>
+            <p:cNvSpPr/>
+            <p:nvPr/>
+          </p:nvSpPr>
+          <p:spPr>
+            <a:xfrm>
+              <a:off x="4694582" y="3067050"/>
+              <a:ext cx="67918" cy="68523"/>
+            </a:xfrm>
+            <a:prstGeom prst="ellipse">
+              <a:avLst/>
+            </a:prstGeom>
+            <a:solidFill>
+              <a:srgbClr val="1F77B4"/>
+            </a:solidFill>
+            <a:ln>
+              <a:noFill/>
+            </a:ln>
+          </p:spPr>
+          <p:style>
+            <a:lnRef idx="2">
+              <a:schemeClr val="accent1">
+                <a:shade val="50000"/>
+              </a:schemeClr>
+            </a:lnRef>
+            <a:fillRef idx="1">
+              <a:schemeClr val="accent1"/>
+            </a:fillRef>
+            <a:effectRef idx="0">
+              <a:schemeClr val="accent1"/>
+            </a:effectRef>
+            <a:fontRef idx="minor">
+              <a:schemeClr val="lt1"/>
+            </a:fontRef>
+          </p:style>
+          <p:txBody>
+            <a:bodyPr rtlCol="0" anchor="ctr"/>
+            <a:lstStyle/>
+            <a:p>
+              <a:pPr algn="ctr"/>
+              <a:endParaRPr lang="en-US"/>
+            </a:p>
+          </p:txBody>
+        </p:sp>
+        <p:sp>
+          <p:nvSpPr>
+            <p:cNvPr id="23" name="Oval 22"/>
+            <p:cNvSpPr/>
+            <p:nvPr/>
+          </p:nvSpPr>
+          <p:spPr>
+            <a:xfrm>
+              <a:off x="4694582" y="3181213"/>
+              <a:ext cx="67918" cy="68523"/>
+            </a:xfrm>
+            <a:prstGeom prst="ellipse">
+              <a:avLst/>
+            </a:prstGeom>
+            <a:solidFill>
+              <a:srgbClr val="CA181C"/>
+            </a:solidFill>
+            <a:ln>
+              <a:noFill/>
+            </a:ln>
+          </p:spPr>
+          <p:style>
+            <a:lnRef idx="2">
+              <a:schemeClr val="accent1">
+                <a:shade val="50000"/>
+              </a:schemeClr>
+            </a:lnRef>
+            <a:fillRef idx="1">
+              <a:schemeClr val="accent1"/>
+            </a:fillRef>
+            <a:effectRef idx="0">
+              <a:schemeClr val="accent1"/>
+            </a:effectRef>
+            <a:fontRef idx="minor">
+              <a:schemeClr val="lt1"/>
+            </a:fontRef>
+          </p:style>
+          <p:txBody>
+            <a:bodyPr rtlCol="0" anchor="ctr"/>
+            <a:lstStyle/>
+            <a:p>
+              <a:pPr algn="ctr"/>
+              <a:endParaRPr lang="en-US"/>
+            </a:p>
+          </p:txBody>
+        </p:sp>
+        <p:sp>
+          <p:nvSpPr>
+            <p:cNvPr id="24" name="5-Point Star 23"/>
+            <p:cNvSpPr/>
+            <p:nvPr/>
+          </p:nvSpPr>
+          <p:spPr>
+            <a:xfrm>
+              <a:off x="4681882" y="3277069"/>
+              <a:ext cx="91440" cy="91440"/>
+            </a:xfrm>
+            <a:prstGeom prst="star5">
+              <a:avLst/>
+            </a:prstGeom>
+            <a:solidFill>
+              <a:srgbClr val="BF00C0"/>
+            </a:solidFill>
+            <a:ln>
+              <a:noFill/>
+            </a:ln>
+          </p:spPr>
+          <p:style>
+            <a:lnRef idx="2">
+              <a:schemeClr val="accent1">
+                <a:shade val="50000"/>
+              </a:schemeClr>
+            </a:lnRef>
+            <a:fillRef idx="1">
+              <a:schemeClr val="accent1"/>
+            </a:fillRef>
+            <a:effectRef idx="0">
+              <a:schemeClr val="accent1"/>
+            </a:effectRef>
+            <a:fontRef idx="minor">
+              <a:schemeClr val="lt1"/>
+            </a:fontRef>
+          </p:style>
+          <p:txBody>
+            <a:bodyPr rtlCol="0" anchor="ctr"/>
+            <a:lstStyle/>
+            <a:p>
+              <a:pPr algn="ctr"/>
+              <a:endParaRPr lang="en-US"/>
+            </a:p>
+          </p:txBody>
+        </p:sp>
+        <p:sp>
+          <p:nvSpPr>
+            <p:cNvPr id="25" name="TextBox 24"/>
+            <p:cNvSpPr txBox="1"/>
+            <p:nvPr/>
+          </p:nvSpPr>
+          <p:spPr>
+            <a:xfrm>
+              <a:off x="4724400" y="3008978"/>
+              <a:ext cx="587375" cy="184666"/>
+            </a:xfrm>
+            <a:prstGeom prst="rect">
+              <a:avLst/>
+            </a:prstGeom>
+            <a:noFill/>
+          </p:spPr>
+          <p:txBody>
+            <a:bodyPr wrap="square" rtlCol="0">
+              <a:spAutoFit/>
+            </a:bodyPr>
+            <a:lstStyle/>
+            <a:p>
+              <a:r>
+                <a:rPr lang="en-US" sz="600" smtClean="0">
+                  <a:latin typeface="Arial" charset="0"/>
+                  <a:ea typeface="Arial" charset="0"/>
+                  <a:cs typeface="Arial" charset="0"/>
+                </a:rPr>
+                <a:t>SoM</a:t>
+              </a:r>
+              <a:endParaRPr lang="en-US" sz="700" dirty="0">
+                <a:latin typeface="Arial" charset="0"/>
+                <a:ea typeface="Arial" charset="0"/>
+                <a:cs typeface="Arial" charset="0"/>
+              </a:endParaRPr>
+            </a:p>
+          </p:txBody>
+        </p:sp>
+        <p:sp>
+          <p:nvSpPr>
+            <p:cNvPr id="26" name="TextBox 25"/>
+            <p:cNvSpPr txBox="1"/>
+            <p:nvPr/>
+          </p:nvSpPr>
+          <p:spPr>
+            <a:xfrm>
+              <a:off x="4724400" y="3117803"/>
+              <a:ext cx="827126" cy="184666"/>
+            </a:xfrm>
+            <a:prstGeom prst="rect">
+              <a:avLst/>
+            </a:prstGeom>
+            <a:noFill/>
+          </p:spPr>
+          <p:txBody>
+            <a:bodyPr wrap="square" rtlCol="0">
+              <a:spAutoFit/>
+            </a:bodyPr>
+            <a:lstStyle/>
+            <a:p>
+              <a:r>
+                <a:rPr lang="en-US" sz="600" smtClean="0">
+                  <a:latin typeface="Arial" charset="0"/>
+                  <a:ea typeface="Arial" charset="0"/>
+                  <a:cs typeface="Arial" charset="0"/>
+                </a:rPr>
+                <a:t>R-scape scores</a:t>
+              </a:r>
+              <a:endParaRPr lang="en-US" sz="700" dirty="0">
+                <a:latin typeface="Arial" charset="0"/>
+                <a:ea typeface="Arial" charset="0"/>
+                <a:cs typeface="Arial" charset="0"/>
+              </a:endParaRPr>
+            </a:p>
+          </p:txBody>
+        </p:sp>
+        <p:sp>
+          <p:nvSpPr>
+            <p:cNvPr id="27" name="TextBox 26"/>
+            <p:cNvSpPr txBox="1"/>
+            <p:nvPr/>
+          </p:nvSpPr>
+          <p:spPr>
+            <a:xfrm>
+              <a:off x="4728558" y="3228392"/>
+              <a:ext cx="827126" cy="276999"/>
+            </a:xfrm>
+            <a:prstGeom prst="rect">
+              <a:avLst/>
+            </a:prstGeom>
+            <a:noFill/>
+          </p:spPr>
+          <p:txBody>
+            <a:bodyPr wrap="square" rtlCol="0">
+              <a:spAutoFit/>
+            </a:bodyPr>
+            <a:lstStyle/>
+            <a:p>
+              <a:r>
+                <a:rPr lang="en-US" sz="600" dirty="0" smtClean="0">
+                  <a:latin typeface="Arial" charset="0"/>
+                  <a:ea typeface="Arial" charset="0"/>
+                  <a:cs typeface="Arial" charset="0"/>
+                </a:rPr>
+                <a:t>WC not found by R-scape</a:t>
+              </a:r>
+              <a:endParaRPr lang="en-US" sz="700" dirty="0">
+                <a:latin typeface="Arial" charset="0"/>
+                <a:ea typeface="Arial" charset="0"/>
+                <a:cs typeface="Arial" charset="0"/>
+              </a:endParaRPr>
+            </a:p>
+          </p:txBody>
+        </p:sp>
+      </p:grpSp>
+      <p:grpSp>
+        <p:nvGrpSpPr>
+          <p:cNvPr id="38" name="Group 37"/>
+          <p:cNvGrpSpPr/>
+          <p:nvPr/>
+        </p:nvGrpSpPr>
+        <p:grpSpPr>
+          <a:xfrm>
+            <a:off x="4476631" y="2856102"/>
+            <a:ext cx="1545419" cy="1068509"/>
+            <a:chOff x="4484685" y="1658546"/>
+            <a:chExt cx="1545419" cy="1068509"/>
+          </a:xfrm>
+        </p:grpSpPr>
+        <p:pic>
+          <p:nvPicPr>
+            <p:cNvPr id="31" name="Picture 30"/>
+            <p:cNvPicPr>
+              <a:picLocks noChangeAspect="1"/>
+            </p:cNvPicPr>
+            <p:nvPr/>
+          </p:nvPicPr>
+          <p:blipFill rotWithShape="1">
+            <a:blip r:embed="rId5">
+              <a:extLst>
+                <a:ext uri="{28A0092B-C50C-407E-A947-70E740481C1C}">
+                  <a14:useLocalDpi xmlns:a14="http://schemas.microsoft.com/office/drawing/2010/main" val="0"/>
+                </a:ext>
+              </a:extLst>
+            </a:blip>
+            <a:srcRect l="84973" t="2952" r="9230" b="3668"/>
+            <a:stretch/>
+          </p:blipFill>
+          <p:spPr>
+            <a:xfrm>
+              <a:off x="4744105" y="1834271"/>
+              <a:ext cx="142709" cy="730931"/>
+            </a:xfrm>
+            <a:prstGeom prst="rect">
+              <a:avLst/>
+            </a:prstGeom>
+          </p:spPr>
+        </p:pic>
+        <p:sp>
+          <p:nvSpPr>
+            <p:cNvPr id="32" name="TextBox 31"/>
+            <p:cNvSpPr txBox="1"/>
+            <p:nvPr/>
+          </p:nvSpPr>
+          <p:spPr>
+            <a:xfrm>
+              <a:off x="4487566" y="1658546"/>
+              <a:ext cx="798495" cy="184666"/>
+            </a:xfrm>
+            <a:prstGeom prst="rect">
+              <a:avLst/>
+            </a:prstGeom>
+            <a:noFill/>
+          </p:spPr>
+          <p:txBody>
+            <a:bodyPr wrap="square" rtlCol="0">
+              <a:spAutoFit/>
+            </a:bodyPr>
+            <a:lstStyle/>
+            <a:p>
+              <a:r>
+                <a:rPr lang="en-US" sz="600" dirty="0" smtClean="0">
+                  <a:latin typeface="Arial" charset="0"/>
+                  <a:ea typeface="Arial" charset="0"/>
+                  <a:cs typeface="Arial" charset="0"/>
+                </a:rPr>
+                <a:t>High </a:t>
+              </a:r>
+              <a:r>
+                <a:rPr lang="en-US" sz="600" dirty="0" err="1" smtClean="0">
+                  <a:latin typeface="Arial" charset="0"/>
+                  <a:ea typeface="Arial" charset="0"/>
+                  <a:cs typeface="Arial" charset="0"/>
+                </a:rPr>
+                <a:t>SoM</a:t>
+              </a:r>
+              <a:r>
+                <a:rPr lang="en-US" sz="600" dirty="0" smtClean="0">
+                  <a:latin typeface="Arial" charset="0"/>
+                  <a:ea typeface="Arial" charset="0"/>
+                  <a:cs typeface="Arial" charset="0"/>
+                </a:rPr>
+                <a:t> score</a:t>
+              </a:r>
+              <a:endParaRPr lang="en-US" sz="600" dirty="0">
+                <a:latin typeface="Arial" charset="0"/>
+                <a:ea typeface="Arial" charset="0"/>
+                <a:cs typeface="Arial" charset="0"/>
+              </a:endParaRPr>
+            </a:p>
+          </p:txBody>
+        </p:sp>
+        <p:sp>
+          <p:nvSpPr>
+            <p:cNvPr id="33" name="TextBox 32"/>
+            <p:cNvSpPr txBox="1"/>
+            <p:nvPr/>
+          </p:nvSpPr>
+          <p:spPr>
+            <a:xfrm>
+              <a:off x="4484685" y="2542389"/>
+              <a:ext cx="798495" cy="184666"/>
+            </a:xfrm>
+            <a:prstGeom prst="rect">
+              <a:avLst/>
+            </a:prstGeom>
+            <a:noFill/>
+          </p:spPr>
+          <p:txBody>
+            <a:bodyPr wrap="square" rtlCol="0">
+              <a:spAutoFit/>
+            </a:bodyPr>
+            <a:lstStyle/>
+            <a:p>
+              <a:r>
+                <a:rPr lang="en-US" sz="600" dirty="0" smtClean="0">
+                  <a:latin typeface="Arial" charset="0"/>
+                  <a:ea typeface="Arial" charset="0"/>
+                  <a:cs typeface="Arial" charset="0"/>
+                </a:rPr>
+                <a:t>Low </a:t>
+              </a:r>
+              <a:r>
+                <a:rPr lang="en-US" sz="600" dirty="0" err="1" smtClean="0">
+                  <a:latin typeface="Arial" charset="0"/>
+                  <a:ea typeface="Arial" charset="0"/>
+                  <a:cs typeface="Arial" charset="0"/>
+                </a:rPr>
+                <a:t>SoM</a:t>
+              </a:r>
+              <a:r>
+                <a:rPr lang="en-US" sz="600" dirty="0" smtClean="0">
+                  <a:latin typeface="Arial" charset="0"/>
+                  <a:ea typeface="Arial" charset="0"/>
+                  <a:cs typeface="Arial" charset="0"/>
+                </a:rPr>
+                <a:t> score</a:t>
+              </a:r>
+              <a:endParaRPr lang="en-US" sz="600" dirty="0">
+                <a:latin typeface="Arial" charset="0"/>
+                <a:ea typeface="Arial" charset="0"/>
+                <a:cs typeface="Arial" charset="0"/>
+              </a:endParaRPr>
+            </a:p>
+          </p:txBody>
+        </p:sp>
+        <p:pic>
+          <p:nvPicPr>
+            <p:cNvPr id="35" name="Picture 34"/>
+            <p:cNvPicPr>
+              <a:picLocks noChangeAspect="1"/>
+            </p:cNvPicPr>
+            <p:nvPr/>
+          </p:nvPicPr>
+          <p:blipFill rotWithShape="1">
+            <a:blip r:embed="rId6">
+              <a:extLst>
+                <a:ext uri="{28A0092B-C50C-407E-A947-70E740481C1C}">
+                  <a14:useLocalDpi xmlns:a14="http://schemas.microsoft.com/office/drawing/2010/main" val="0"/>
+                </a:ext>
+              </a:extLst>
+            </a:blip>
+            <a:srcRect l="83307" t="3748" r="12616"/>
+            <a:stretch/>
+          </p:blipFill>
+          <p:spPr>
+            <a:xfrm>
+              <a:off x="5524035" y="1846627"/>
+              <a:ext cx="131093" cy="781518"/>
+            </a:xfrm>
+            <a:prstGeom prst="rect">
+              <a:avLst/>
+            </a:prstGeom>
+          </p:spPr>
+        </p:pic>
+        <p:sp>
+          <p:nvSpPr>
+            <p:cNvPr id="36" name="TextBox 35"/>
+            <p:cNvSpPr txBox="1"/>
+            <p:nvPr/>
+          </p:nvSpPr>
+          <p:spPr>
+            <a:xfrm>
+              <a:off x="5146676" y="1662388"/>
+              <a:ext cx="883428" cy="184666"/>
+            </a:xfrm>
+            <a:prstGeom prst="rect">
+              <a:avLst/>
+            </a:prstGeom>
+            <a:noFill/>
+          </p:spPr>
+          <p:txBody>
+            <a:bodyPr wrap="square" rtlCol="0">
+              <a:spAutoFit/>
+            </a:bodyPr>
+            <a:lstStyle/>
+            <a:p>
+              <a:r>
+                <a:rPr lang="en-US" sz="600" smtClean="0">
+                  <a:latin typeface="Arial" charset="0"/>
+                  <a:ea typeface="Arial" charset="0"/>
+                  <a:cs typeface="Arial" charset="0"/>
+                </a:rPr>
+                <a:t>High </a:t>
+              </a:r>
+              <a:r>
+                <a:rPr lang="en-US" sz="600" smtClean="0">
+                  <a:latin typeface="Arial" charset="0"/>
+                  <a:ea typeface="Arial" charset="0"/>
+                  <a:cs typeface="Arial" charset="0"/>
+                </a:rPr>
+                <a:t>R-scape score</a:t>
+              </a:r>
+              <a:endParaRPr lang="en-US" sz="600" dirty="0">
+                <a:latin typeface="Arial" charset="0"/>
+                <a:ea typeface="Arial" charset="0"/>
+                <a:cs typeface="Arial" charset="0"/>
+              </a:endParaRPr>
+            </a:p>
+          </p:txBody>
+        </p:sp>
+        <p:sp>
+          <p:nvSpPr>
+            <p:cNvPr id="37" name="TextBox 36"/>
+            <p:cNvSpPr txBox="1"/>
+            <p:nvPr/>
+          </p:nvSpPr>
+          <p:spPr>
+            <a:xfrm>
+              <a:off x="5146676" y="2536415"/>
+              <a:ext cx="883428" cy="184666"/>
+            </a:xfrm>
+            <a:prstGeom prst="rect">
+              <a:avLst/>
+            </a:prstGeom>
+            <a:noFill/>
+          </p:spPr>
+          <p:txBody>
+            <a:bodyPr wrap="square" rtlCol="0">
+              <a:spAutoFit/>
+            </a:bodyPr>
+            <a:lstStyle/>
+            <a:p>
+              <a:r>
+                <a:rPr lang="en-US" sz="600" dirty="0" smtClean="0">
+                  <a:latin typeface="Arial" charset="0"/>
+                  <a:ea typeface="Arial" charset="0"/>
+                  <a:cs typeface="Arial" charset="0"/>
+                </a:rPr>
+                <a:t>Low R-scape score</a:t>
+              </a:r>
+              <a:endParaRPr lang="en-US" sz="600" dirty="0">
+                <a:latin typeface="Arial" charset="0"/>
+                <a:ea typeface="Arial" charset="0"/>
+                <a:cs typeface="Arial" charset="0"/>
+              </a:endParaRPr>
+            </a:p>
+          </p:txBody>
+        </p:sp>
+      </p:grpSp>
+      <p:grpSp>
+        <p:nvGrpSpPr>
+          <p:cNvPr id="51" name="Group 50"/>
+          <p:cNvGrpSpPr/>
+          <p:nvPr/>
+        </p:nvGrpSpPr>
+        <p:grpSpPr>
+          <a:xfrm>
+            <a:off x="4746962" y="2327588"/>
+            <a:ext cx="988649" cy="293491"/>
+            <a:chOff x="4746429" y="2298070"/>
+            <a:chExt cx="988649" cy="293491"/>
+          </a:xfrm>
+        </p:grpSpPr>
+        <p:sp>
+          <p:nvSpPr>
+            <p:cNvPr id="40" name="Rounded Rectangle 39"/>
+            <p:cNvSpPr/>
+            <p:nvPr/>
+          </p:nvSpPr>
+          <p:spPr>
+            <a:xfrm>
+              <a:off x="4746429" y="2313959"/>
+              <a:ext cx="862884" cy="261713"/>
+            </a:xfrm>
+            <a:prstGeom prst="roundRect">
+              <a:avLst/>
+            </a:prstGeom>
+            <a:noFill/>
+            <a:ln>
+              <a:solidFill>
+                <a:schemeClr val="accent3">
+                  <a:lumMod val="60000"/>
+                  <a:lumOff val="40000"/>
+                </a:schemeClr>
+              </a:solidFill>
+            </a:ln>
+          </p:spPr>
+          <p:style>
+            <a:lnRef idx="2">
+              <a:schemeClr val="accent1">
+                <a:shade val="50000"/>
+              </a:schemeClr>
+            </a:lnRef>
+            <a:fillRef idx="1">
+              <a:schemeClr val="accent1"/>
+            </a:fillRef>
+            <a:effectRef idx="0">
+              <a:schemeClr val="accent1"/>
+            </a:effectRef>
+            <a:fontRef idx="minor">
+              <a:schemeClr val="lt1"/>
+            </a:fontRef>
+          </p:style>
+          <p:txBody>
+            <a:bodyPr rtlCol="0" anchor="ctr"/>
+            <a:lstStyle/>
+            <a:p>
+              <a:pPr algn="ctr"/>
+              <a:endParaRPr lang="en-US"/>
+            </a:p>
+          </p:txBody>
+        </p:sp>
+        <p:sp>
+          <p:nvSpPr>
+            <p:cNvPr id="44" name="TextBox 43"/>
+            <p:cNvSpPr txBox="1"/>
+            <p:nvPr/>
+          </p:nvSpPr>
+          <p:spPr>
+            <a:xfrm>
+              <a:off x="4907952" y="2298070"/>
+              <a:ext cx="587375" cy="184666"/>
+            </a:xfrm>
+            <a:prstGeom prst="rect">
+              <a:avLst/>
+            </a:prstGeom>
+            <a:noFill/>
+          </p:spPr>
+          <p:txBody>
+            <a:bodyPr wrap="square" rtlCol="0">
+              <a:spAutoFit/>
+            </a:bodyPr>
+            <a:lstStyle/>
+            <a:p>
+              <a:r>
+                <a:rPr lang="en-US" sz="600" dirty="0" err="1" smtClean="0">
+                  <a:latin typeface="Arial" charset="0"/>
+                  <a:ea typeface="Arial" charset="0"/>
+                  <a:cs typeface="Arial" charset="0"/>
+                </a:rPr>
+                <a:t>SoM</a:t>
+              </a:r>
+              <a:r>
+                <a:rPr lang="en-US" sz="600" dirty="0" smtClean="0">
+                  <a:latin typeface="Arial" charset="0"/>
+                  <a:ea typeface="Arial" charset="0"/>
+                  <a:cs typeface="Arial" charset="0"/>
+                </a:rPr>
+                <a:t> TPR</a:t>
+              </a:r>
+              <a:endParaRPr lang="en-US" sz="700" dirty="0">
+                <a:latin typeface="Arial" charset="0"/>
+                <a:ea typeface="Arial" charset="0"/>
+                <a:cs typeface="Arial" charset="0"/>
+              </a:endParaRPr>
+            </a:p>
+          </p:txBody>
+        </p:sp>
+        <p:sp>
+          <p:nvSpPr>
+            <p:cNvPr id="45" name="TextBox 44"/>
+            <p:cNvSpPr txBox="1"/>
+            <p:nvPr/>
+          </p:nvSpPr>
+          <p:spPr>
+            <a:xfrm>
+              <a:off x="4907952" y="2406895"/>
+              <a:ext cx="827126" cy="184666"/>
+            </a:xfrm>
+            <a:prstGeom prst="rect">
+              <a:avLst/>
+            </a:prstGeom>
+            <a:noFill/>
+          </p:spPr>
+          <p:txBody>
+            <a:bodyPr wrap="square" rtlCol="0">
+              <a:spAutoFit/>
+            </a:bodyPr>
+            <a:lstStyle/>
+            <a:p>
+              <a:r>
+                <a:rPr lang="en-US" sz="600" dirty="0" smtClean="0">
+                  <a:latin typeface="Arial" charset="0"/>
+                  <a:ea typeface="Arial" charset="0"/>
+                  <a:cs typeface="Arial" charset="0"/>
+                </a:rPr>
+                <a:t>R-scape TPR</a:t>
+              </a:r>
+              <a:endParaRPr lang="en-US" sz="700" dirty="0">
+                <a:latin typeface="Arial" charset="0"/>
+                <a:ea typeface="Arial" charset="0"/>
+                <a:cs typeface="Arial" charset="0"/>
+              </a:endParaRPr>
+            </a:p>
+          </p:txBody>
+        </p:sp>
+        <p:cxnSp>
+          <p:nvCxnSpPr>
+            <p:cNvPr id="48" name="Straight Connector 47"/>
+            <p:cNvCxnSpPr/>
+            <p:nvPr/>
+          </p:nvCxnSpPr>
+          <p:spPr>
+            <a:xfrm>
+              <a:off x="4798759" y="2390648"/>
+              <a:ext cx="129449" cy="0"/>
+            </a:xfrm>
+            <a:prstGeom prst="line">
+              <a:avLst/>
+            </a:prstGeom>
+            <a:ln w="19050">
+              <a:solidFill>
+                <a:srgbClr val="1F77B4"/>
+              </a:solidFill>
+            </a:ln>
+          </p:spPr>
+          <p:style>
+            <a:lnRef idx="1">
+              <a:schemeClr val="accent1"/>
+            </a:lnRef>
+            <a:fillRef idx="0">
+              <a:schemeClr val="accent1"/>
+            </a:fillRef>
+            <a:effectRef idx="0">
+              <a:schemeClr val="accent1"/>
+            </a:effectRef>
+            <a:fontRef idx="minor">
+              <a:schemeClr val="tx1"/>
+            </a:fontRef>
+          </p:style>
+        </p:cxnSp>
+        <p:cxnSp>
+          <p:nvCxnSpPr>
+            <p:cNvPr id="50" name="Straight Connector 49"/>
+            <p:cNvCxnSpPr/>
+            <p:nvPr/>
+          </p:nvCxnSpPr>
+          <p:spPr>
+            <a:xfrm>
+              <a:off x="4797880" y="2499228"/>
+              <a:ext cx="129449" cy="0"/>
+            </a:xfrm>
+            <a:prstGeom prst="line">
+              <a:avLst/>
+            </a:prstGeom>
+            <a:ln w="19050">
+              <a:solidFill>
+                <a:srgbClr val="CA181C"/>
+              </a:solidFill>
+            </a:ln>
+          </p:spPr>
+          <p:style>
+            <a:lnRef idx="1">
+              <a:schemeClr val="accent1"/>
+            </a:lnRef>
+            <a:fillRef idx="0">
+              <a:schemeClr val="accent1"/>
+            </a:fillRef>
+            <a:effectRef idx="0">
+              <a:schemeClr val="accent1"/>
+            </a:effectRef>
+            <a:fontRef idx="minor">
+              <a:schemeClr val="tx1"/>
+            </a:fontRef>
+          </p:style>
+        </p:cxnSp>
+      </p:grpSp>
+      <p:sp>
+        <p:nvSpPr>
+          <p:cNvPr id="39" name="TextBox 38"/>
+          <p:cNvSpPr txBox="1"/>
+          <p:nvPr/>
+        </p:nvSpPr>
+        <p:spPr>
+          <a:xfrm>
+            <a:off x="369811" y="3372325"/>
+            <a:ext cx="4169664" cy="492443"/>
+          </a:xfrm>
+          <a:prstGeom prst="rect">
+            <a:avLst/>
+          </a:prstGeom>
+          <a:noFill/>
+        </p:spPr>
+        <p:txBody>
+          <a:bodyPr wrap="square" rtlCol="0">
+            <a:spAutoFit/>
+          </a:bodyPr>
+          <a:lstStyle/>
+          <a:p>
+            <a:r>
+              <a:rPr lang="en-US" sz="1600" b="1" dirty="0"/>
+              <a:t>B</a:t>
+            </a:r>
+            <a:r>
+              <a:rPr lang="en-US" sz="1600" b="1" dirty="0" smtClean="0"/>
+              <a:t> - </a:t>
+            </a:r>
+            <a:r>
+              <a:rPr lang="en-US" sz="1050" dirty="0" err="1">
+                <a:latin typeface="Arial" charset="0"/>
+                <a:ea typeface="Arial" charset="0"/>
+                <a:cs typeface="Arial" charset="0"/>
+              </a:rPr>
+              <a:t>glmS</a:t>
+            </a:r>
+            <a:r>
+              <a:rPr lang="en-US" sz="1050" dirty="0">
+                <a:latin typeface="Arial" charset="0"/>
+                <a:ea typeface="Arial" charset="0"/>
+                <a:cs typeface="Arial" charset="0"/>
+              </a:rPr>
+              <a:t> glucosamine-6-phosphate activated ribozyme (</a:t>
+            </a:r>
+            <a:r>
+              <a:rPr lang="en-US" sz="1050" dirty="0" smtClean="0">
+                <a:latin typeface="Arial" charset="0"/>
+                <a:ea typeface="Arial" charset="0"/>
+                <a:cs typeface="Arial" charset="0"/>
+              </a:rPr>
+              <a:t>RF00234</a:t>
+            </a:r>
+            <a:r>
+              <a:rPr lang="en-US" sz="1050" dirty="0" smtClean="0">
+                <a:latin typeface="Arial" charset="0"/>
+                <a:ea typeface="Arial" charset="0"/>
+                <a:cs typeface="Arial" charset="0"/>
+              </a:rPr>
+              <a:t>)</a:t>
+            </a:r>
+          </a:p>
+          <a:p>
+            <a:r>
+              <a:rPr lang="en-US" sz="1000" dirty="0" smtClean="0">
+                <a:latin typeface="Arial" charset="0"/>
+                <a:ea typeface="Arial" charset="0"/>
+                <a:cs typeface="Arial" charset="0"/>
+              </a:rPr>
+              <a:t>	Length = 161	M = 842	</a:t>
+            </a:r>
+            <a:r>
+              <a:rPr lang="en-US" sz="1000" dirty="0" err="1" smtClean="0">
+                <a:latin typeface="Arial" charset="0"/>
+                <a:ea typeface="Arial" charset="0"/>
+                <a:cs typeface="Arial" charset="0"/>
+              </a:rPr>
+              <a:t>M</a:t>
+            </a:r>
+            <a:r>
+              <a:rPr lang="en-US" sz="1000" baseline="-25000" dirty="0" err="1" smtClean="0">
+                <a:latin typeface="Arial" charset="0"/>
+                <a:ea typeface="Arial" charset="0"/>
+                <a:cs typeface="Arial" charset="0"/>
+              </a:rPr>
+              <a:t>eff</a:t>
+            </a:r>
+            <a:r>
+              <a:rPr lang="en-US" sz="1000" dirty="0" smtClean="0">
+                <a:latin typeface="Arial" charset="0"/>
+                <a:ea typeface="Arial" charset="0"/>
+                <a:cs typeface="Arial" charset="0"/>
+              </a:rPr>
+              <a:t> = 203.6</a:t>
+            </a:r>
+            <a:endParaRPr lang="en-US" sz="1000" dirty="0">
+              <a:latin typeface="Arial" charset="0"/>
+              <a:ea typeface="Arial" charset="0"/>
+              <a:cs typeface="Arial" charset="0"/>
+            </a:endParaRPr>
+          </a:p>
+        </p:txBody>
+      </p:sp>
+    </p:spTree>
+    <p:extLst>
+      <p:ext uri="{BB962C8B-B14F-4D97-AF65-F5344CB8AC3E}">
+        <p14:creationId xmlns:p14="http://schemas.microsoft.com/office/powerpoint/2010/main" val="624830778"/>
+      </p:ext>
+    </p:extLst>
+  </p:cSld>
+  <p:clrMapOvr>
+    <a:masterClrMapping/>
+  </p:clrMapOvr>
+  <p:timing>
+    <p:tnLst>
+      <p:par>
+        <p:cTn id="1" dur="indefinite" restart="never" nodeType="tmRoot"/>
+      </p:par>
+    </p:tnLst>
+  </p:timing>
+</p:sld>
+</file>
+
+<file path=ppt/slides/slide4.xml><?xml version="1.0" encoding="utf-8"?>
+<p:sld xmlns:a="http://schemas.openxmlformats.org/drawingml/2006/main" xmlns:r="http://schemas.openxmlformats.org/officeDocument/2006/relationships" xmlns:p="http://schemas.openxmlformats.org/presentationml/2006/main">
+  <p:cSld>
+    <p:spTree>
+      <p:nvGrpSpPr>
+        <p:cNvPr id="1" name=""/>
+        <p:cNvGrpSpPr/>
+        <p:nvPr/>
+      </p:nvGrpSpPr>
+      <p:grpSpPr>
+        <a:xfrm>
+          <a:off x="0" y="0"/>
+          <a:ext cx="0" cy="0"/>
+          <a:chOff x="0" y="0"/>
+          <a:chExt cx="0" cy="0"/>
+        </a:xfrm>
+      </p:grpSpPr>
+      <p:pic>
+        <p:nvPicPr>
+          <p:cNvPr id="5" name="Picture 4"/>
+          <p:cNvPicPr>
+            <a:picLocks noChangeAspect="1"/>
+          </p:cNvPicPr>
+          <p:nvPr/>
+        </p:nvPicPr>
+        <p:blipFill>
+          <a:blip r:embed="rId3">
+            <a:extLst>
+              <a:ext uri="{28A0092B-C50C-407E-A947-70E740481C1C}">
+                <a14:useLocalDpi xmlns:a14="http://schemas.microsoft.com/office/drawing/2010/main" val="0"/>
+              </a:ext>
+            </a:extLst>
+          </a:blip>
+          <a:stretch>
+            <a:fillRect/>
+          </a:stretch>
+        </p:blipFill>
+        <p:spPr>
+          <a:xfrm>
+            <a:off x="380078" y="3882703"/>
+            <a:ext cx="4169664" cy="2084832"/>
+          </a:xfrm>
+          <a:prstGeom prst="rect">
+            <a:avLst/>
+          </a:prstGeom>
+        </p:spPr>
+      </p:pic>
+      <p:pic>
+        <p:nvPicPr>
+          <p:cNvPr id="3" name="Picture 2"/>
+          <p:cNvPicPr>
+            <a:picLocks noChangeAspect="1"/>
+          </p:cNvPicPr>
+          <p:nvPr/>
+        </p:nvPicPr>
+        <p:blipFill>
+          <a:blip r:embed="rId4">
+            <a:extLst>
+              <a:ext uri="{28A0092B-C50C-407E-A947-70E740481C1C}">
+                <a14:useLocalDpi xmlns:a14="http://schemas.microsoft.com/office/drawing/2010/main" val="0"/>
+              </a:ext>
+            </a:extLst>
+          </a:blip>
+          <a:stretch>
+            <a:fillRect/>
+          </a:stretch>
+        </p:blipFill>
+        <p:spPr>
+          <a:xfrm>
+            <a:off x="369811" y="886712"/>
+            <a:ext cx="4169664" cy="2084832"/>
+          </a:xfrm>
+          <a:prstGeom prst="rect">
+            <a:avLst/>
+          </a:prstGeom>
+        </p:spPr>
+      </p:pic>
+      <p:sp>
+        <p:nvSpPr>
+          <p:cNvPr id="9" name="TextBox 8"/>
+          <p:cNvSpPr txBox="1"/>
+          <p:nvPr/>
+        </p:nvSpPr>
+        <p:spPr>
+          <a:xfrm>
+            <a:off x="0" y="6302893"/>
+            <a:ext cx="5943600" cy="261610"/>
+          </a:xfrm>
+          <a:prstGeom prst="rect">
+            <a:avLst/>
+          </a:prstGeom>
+          <a:noFill/>
+        </p:spPr>
+        <p:txBody>
+          <a:bodyPr wrap="square" rtlCol="0">
+            <a:spAutoFit/>
+          </a:bodyPr>
+          <a:lstStyle/>
+          <a:p>
+            <a:r>
+              <a:rPr lang="en-US" sz="1100" b="1" dirty="0" smtClean="0">
+                <a:latin typeface="Arial" charset="0"/>
+                <a:ea typeface="Arial" charset="0"/>
+                <a:cs typeface="Arial" charset="0"/>
+              </a:rPr>
+              <a:t>Supplementary Figure 3: continued on next page.</a:t>
+            </a:r>
+            <a:endParaRPr lang="en-US" sz="1100" b="1" dirty="0">
+              <a:latin typeface="Arial" charset="0"/>
+              <a:ea typeface="Arial" charset="0"/>
+              <a:cs typeface="Arial" charset="0"/>
+            </a:endParaRPr>
+          </a:p>
+        </p:txBody>
+      </p:sp>
+      <p:sp>
+        <p:nvSpPr>
+          <p:cNvPr id="17" name="TextBox 16"/>
+          <p:cNvSpPr txBox="1"/>
+          <p:nvPr/>
+        </p:nvSpPr>
+        <p:spPr>
+          <a:xfrm>
+            <a:off x="369811" y="398111"/>
+            <a:ext cx="4169664" cy="492443"/>
+          </a:xfrm>
+          <a:prstGeom prst="rect">
+            <a:avLst/>
+          </a:prstGeom>
+          <a:noFill/>
+        </p:spPr>
+        <p:txBody>
+          <a:bodyPr wrap="square" rtlCol="0">
+            <a:spAutoFit/>
+          </a:bodyPr>
+          <a:lstStyle/>
+          <a:p>
+            <a:r>
+              <a:rPr lang="en-US" sz="1600" b="1" dirty="0"/>
+              <a:t>C</a:t>
+            </a:r>
+            <a:r>
+              <a:rPr lang="en-US" sz="1600" b="1" dirty="0" smtClean="0"/>
+              <a:t> - </a:t>
+            </a:r>
+            <a:r>
+              <a:rPr lang="en-US" sz="1050" dirty="0">
+                <a:latin typeface="Arial" charset="0"/>
+                <a:ea typeface="Arial" charset="0"/>
+                <a:cs typeface="Arial" charset="0"/>
+              </a:rPr>
+              <a:t>5.8S ribosomal </a:t>
+            </a:r>
+            <a:r>
+              <a:rPr lang="en-US" sz="1050" dirty="0" smtClean="0">
+                <a:latin typeface="Arial" charset="0"/>
+                <a:ea typeface="Arial" charset="0"/>
+                <a:cs typeface="Arial" charset="0"/>
+              </a:rPr>
+              <a:t>RNA (</a:t>
+            </a:r>
+            <a:r>
+              <a:rPr lang="en-US" sz="1050" dirty="0">
+                <a:latin typeface="Arial" charset="0"/>
+                <a:ea typeface="Arial" charset="0"/>
+                <a:cs typeface="Arial" charset="0"/>
+              </a:rPr>
+              <a:t>RF00002</a:t>
+            </a:r>
+            <a:r>
+              <a:rPr lang="en-US" sz="1050" dirty="0" smtClean="0">
+                <a:latin typeface="Arial" charset="0"/>
+                <a:ea typeface="Arial" charset="0"/>
+                <a:cs typeface="Arial" charset="0"/>
+              </a:rPr>
+              <a:t>)</a:t>
+            </a:r>
+          </a:p>
+          <a:p>
+            <a:r>
+              <a:rPr lang="en-US" sz="1000" dirty="0" smtClean="0">
+                <a:latin typeface="Arial" charset="0"/>
+                <a:ea typeface="Arial" charset="0"/>
+                <a:cs typeface="Arial" charset="0"/>
+              </a:rPr>
+              <a:t>	Length = 155	M = </a:t>
+            </a:r>
+            <a:r>
+              <a:rPr lang="is-IS" sz="1000" dirty="0">
+                <a:latin typeface="Arial" charset="0"/>
+                <a:ea typeface="Arial" charset="0"/>
+                <a:cs typeface="Arial" charset="0"/>
+              </a:rPr>
+              <a:t>375612 </a:t>
+            </a:r>
+            <a:r>
+              <a:rPr lang="en-US" sz="1000" dirty="0" smtClean="0">
+                <a:latin typeface="Arial" charset="0"/>
+                <a:ea typeface="Arial" charset="0"/>
+                <a:cs typeface="Arial" charset="0"/>
+              </a:rPr>
+              <a:t>	</a:t>
+            </a:r>
+            <a:r>
+              <a:rPr lang="en-US" sz="1000" dirty="0" err="1" smtClean="0">
+                <a:latin typeface="Arial" charset="0"/>
+                <a:ea typeface="Arial" charset="0"/>
+                <a:cs typeface="Arial" charset="0"/>
+              </a:rPr>
+              <a:t>M</a:t>
+            </a:r>
+            <a:r>
+              <a:rPr lang="en-US" sz="1000" baseline="-25000" dirty="0" err="1" smtClean="0">
+                <a:latin typeface="Arial" charset="0"/>
+                <a:ea typeface="Arial" charset="0"/>
+                <a:cs typeface="Arial" charset="0"/>
+              </a:rPr>
+              <a:t>eff</a:t>
+            </a:r>
+            <a:r>
+              <a:rPr lang="en-US" sz="1000" dirty="0" smtClean="0">
+                <a:latin typeface="Arial" charset="0"/>
+                <a:ea typeface="Arial" charset="0"/>
+                <a:cs typeface="Arial" charset="0"/>
+              </a:rPr>
+              <a:t> = </a:t>
+            </a:r>
+            <a:r>
+              <a:rPr lang="nb-NO" sz="1000" dirty="0">
+                <a:latin typeface="Arial" charset="0"/>
+                <a:ea typeface="Arial" charset="0"/>
+                <a:cs typeface="Arial" charset="0"/>
+              </a:rPr>
+              <a:t>1197.3</a:t>
+            </a:r>
+            <a:endParaRPr lang="en-US" sz="1000" dirty="0">
+              <a:latin typeface="Arial" charset="0"/>
+              <a:ea typeface="Arial" charset="0"/>
+              <a:cs typeface="Arial" charset="0"/>
+            </a:endParaRPr>
+          </a:p>
+        </p:txBody>
+      </p:sp>
+      <p:grpSp>
+        <p:nvGrpSpPr>
+          <p:cNvPr id="30" name="Group 29"/>
+          <p:cNvGrpSpPr/>
+          <p:nvPr/>
+        </p:nvGrpSpPr>
+        <p:grpSpPr>
+          <a:xfrm>
+            <a:off x="4736051" y="4106954"/>
+            <a:ext cx="922957" cy="496413"/>
+            <a:chOff x="4632727" y="3008978"/>
+            <a:chExt cx="922957" cy="496413"/>
+          </a:xfrm>
+        </p:grpSpPr>
+        <p:sp>
+          <p:nvSpPr>
+            <p:cNvPr id="21" name="Rounded Rectangle 20"/>
+            <p:cNvSpPr/>
+            <p:nvPr/>
+          </p:nvSpPr>
+          <p:spPr>
+            <a:xfrm>
+              <a:off x="4632727" y="3024867"/>
+              <a:ext cx="862884" cy="455609"/>
+            </a:xfrm>
+            <a:prstGeom prst="roundRect">
+              <a:avLst/>
+            </a:prstGeom>
+            <a:noFill/>
+            <a:ln>
+              <a:solidFill>
+                <a:schemeClr val="accent3">
+                  <a:lumMod val="60000"/>
+                  <a:lumOff val="40000"/>
+                </a:schemeClr>
+              </a:solidFill>
+            </a:ln>
+          </p:spPr>
+          <p:style>
+            <a:lnRef idx="2">
+              <a:schemeClr val="accent1">
+                <a:shade val="50000"/>
+              </a:schemeClr>
+            </a:lnRef>
+            <a:fillRef idx="1">
+              <a:schemeClr val="accent1"/>
+            </a:fillRef>
+            <a:effectRef idx="0">
+              <a:schemeClr val="accent1"/>
+            </a:effectRef>
+            <a:fontRef idx="minor">
+              <a:schemeClr val="lt1"/>
+            </a:fontRef>
+          </p:style>
+          <p:txBody>
+            <a:bodyPr rtlCol="0" anchor="ctr"/>
+            <a:lstStyle/>
+            <a:p>
+              <a:pPr algn="ctr"/>
+              <a:endParaRPr lang="en-US"/>
+            </a:p>
+          </p:txBody>
+        </p:sp>
+        <p:sp>
+          <p:nvSpPr>
+            <p:cNvPr id="22" name="Oval 21"/>
+            <p:cNvSpPr/>
+            <p:nvPr/>
+          </p:nvSpPr>
+          <p:spPr>
+            <a:xfrm>
+              <a:off x="4694582" y="3067050"/>
+              <a:ext cx="67918" cy="68523"/>
+            </a:xfrm>
+            <a:prstGeom prst="ellipse">
+              <a:avLst/>
+            </a:prstGeom>
+            <a:solidFill>
+              <a:srgbClr val="1F77B4"/>
+            </a:solidFill>
+            <a:ln>
+              <a:noFill/>
+            </a:ln>
+          </p:spPr>
+          <p:style>
+            <a:lnRef idx="2">
+              <a:schemeClr val="accent1">
+                <a:shade val="50000"/>
+              </a:schemeClr>
+            </a:lnRef>
+            <a:fillRef idx="1">
+              <a:schemeClr val="accent1"/>
+            </a:fillRef>
+            <a:effectRef idx="0">
+              <a:schemeClr val="accent1"/>
+            </a:effectRef>
+            <a:fontRef idx="minor">
+              <a:schemeClr val="lt1"/>
+            </a:fontRef>
+          </p:style>
+          <p:txBody>
+            <a:bodyPr rtlCol="0" anchor="ctr"/>
+            <a:lstStyle/>
+            <a:p>
+              <a:pPr algn="ctr"/>
+              <a:endParaRPr lang="en-US"/>
+            </a:p>
+          </p:txBody>
+        </p:sp>
+        <p:sp>
+          <p:nvSpPr>
+            <p:cNvPr id="23" name="Oval 22"/>
+            <p:cNvSpPr/>
+            <p:nvPr/>
+          </p:nvSpPr>
+          <p:spPr>
+            <a:xfrm>
+              <a:off x="4694582" y="3181213"/>
+              <a:ext cx="67918" cy="68523"/>
+            </a:xfrm>
+            <a:prstGeom prst="ellipse">
+              <a:avLst/>
+            </a:prstGeom>
+            <a:solidFill>
+              <a:srgbClr val="CA181C"/>
+            </a:solidFill>
+            <a:ln>
+              <a:noFill/>
+            </a:ln>
+          </p:spPr>
+          <p:style>
+            <a:lnRef idx="2">
+              <a:schemeClr val="accent1">
+                <a:shade val="50000"/>
+              </a:schemeClr>
+            </a:lnRef>
+            <a:fillRef idx="1">
+              <a:schemeClr val="accent1"/>
+            </a:fillRef>
+            <a:effectRef idx="0">
+              <a:schemeClr val="accent1"/>
+            </a:effectRef>
+            <a:fontRef idx="minor">
+              <a:schemeClr val="lt1"/>
+            </a:fontRef>
+          </p:style>
+          <p:txBody>
+            <a:bodyPr rtlCol="0" anchor="ctr"/>
+            <a:lstStyle/>
+            <a:p>
+              <a:pPr algn="ctr"/>
+              <a:endParaRPr lang="en-US"/>
+            </a:p>
+          </p:txBody>
+        </p:sp>
+        <p:sp>
+          <p:nvSpPr>
+            <p:cNvPr id="24" name="5-Point Star 23"/>
+            <p:cNvSpPr/>
+            <p:nvPr/>
+          </p:nvSpPr>
+          <p:spPr>
+            <a:xfrm>
+              <a:off x="4681882" y="3277069"/>
+              <a:ext cx="91440" cy="91440"/>
+            </a:xfrm>
+            <a:prstGeom prst="star5">
+              <a:avLst/>
+            </a:prstGeom>
+            <a:solidFill>
+              <a:srgbClr val="BF00C0"/>
+            </a:solidFill>
+            <a:ln>
+              <a:noFill/>
+            </a:ln>
+          </p:spPr>
+          <p:style>
+            <a:lnRef idx="2">
+              <a:schemeClr val="accent1">
+                <a:shade val="50000"/>
+              </a:schemeClr>
+            </a:lnRef>
+            <a:fillRef idx="1">
+              <a:schemeClr val="accent1"/>
+            </a:fillRef>
+            <a:effectRef idx="0">
+              <a:schemeClr val="accent1"/>
+            </a:effectRef>
+            <a:fontRef idx="minor">
+              <a:schemeClr val="lt1"/>
+            </a:fontRef>
+          </p:style>
+          <p:txBody>
+            <a:bodyPr rtlCol="0" anchor="ctr"/>
+            <a:lstStyle/>
+            <a:p>
+              <a:pPr algn="ctr"/>
+              <a:endParaRPr lang="en-US"/>
+            </a:p>
+          </p:txBody>
+        </p:sp>
+        <p:sp>
+          <p:nvSpPr>
+            <p:cNvPr id="25" name="TextBox 24"/>
+            <p:cNvSpPr txBox="1"/>
+            <p:nvPr/>
+          </p:nvSpPr>
+          <p:spPr>
+            <a:xfrm>
+              <a:off x="4724400" y="3008978"/>
+              <a:ext cx="587375" cy="184666"/>
+            </a:xfrm>
+            <a:prstGeom prst="rect">
+              <a:avLst/>
+            </a:prstGeom>
+            <a:noFill/>
+          </p:spPr>
+          <p:txBody>
+            <a:bodyPr wrap="square" rtlCol="0">
+              <a:spAutoFit/>
+            </a:bodyPr>
+            <a:lstStyle/>
+            <a:p>
+              <a:r>
+                <a:rPr lang="en-US" sz="600" smtClean="0">
+                  <a:latin typeface="Arial" charset="0"/>
+                  <a:ea typeface="Arial" charset="0"/>
+                  <a:cs typeface="Arial" charset="0"/>
+                </a:rPr>
+                <a:t>SoM</a:t>
+              </a:r>
+              <a:endParaRPr lang="en-US" sz="700" dirty="0">
+                <a:latin typeface="Arial" charset="0"/>
+                <a:ea typeface="Arial" charset="0"/>
+                <a:cs typeface="Arial" charset="0"/>
+              </a:endParaRPr>
+            </a:p>
+          </p:txBody>
+        </p:sp>
+        <p:sp>
+          <p:nvSpPr>
+            <p:cNvPr id="26" name="TextBox 25"/>
+            <p:cNvSpPr txBox="1"/>
+            <p:nvPr/>
+          </p:nvSpPr>
+          <p:spPr>
+            <a:xfrm>
+              <a:off x="4724400" y="3117803"/>
+              <a:ext cx="827126" cy="184666"/>
+            </a:xfrm>
+            <a:prstGeom prst="rect">
+              <a:avLst/>
+            </a:prstGeom>
+            <a:noFill/>
+          </p:spPr>
+          <p:txBody>
+            <a:bodyPr wrap="square" rtlCol="0">
+              <a:spAutoFit/>
+            </a:bodyPr>
+            <a:lstStyle/>
+            <a:p>
+              <a:r>
+                <a:rPr lang="en-US" sz="600" smtClean="0">
+                  <a:latin typeface="Arial" charset="0"/>
+                  <a:ea typeface="Arial" charset="0"/>
+                  <a:cs typeface="Arial" charset="0"/>
+                </a:rPr>
+                <a:t>R-scape scores</a:t>
+              </a:r>
+              <a:endParaRPr lang="en-US" sz="700" dirty="0">
+                <a:latin typeface="Arial" charset="0"/>
+                <a:ea typeface="Arial" charset="0"/>
+                <a:cs typeface="Arial" charset="0"/>
+              </a:endParaRPr>
+            </a:p>
+          </p:txBody>
+        </p:sp>
+        <p:sp>
+          <p:nvSpPr>
+            <p:cNvPr id="27" name="TextBox 26"/>
+            <p:cNvSpPr txBox="1"/>
+            <p:nvPr/>
+          </p:nvSpPr>
+          <p:spPr>
+            <a:xfrm>
+              <a:off x="4728558" y="3228392"/>
+              <a:ext cx="827126" cy="276999"/>
+            </a:xfrm>
+            <a:prstGeom prst="rect">
+              <a:avLst/>
+            </a:prstGeom>
+            <a:noFill/>
+          </p:spPr>
+          <p:txBody>
+            <a:bodyPr wrap="square" rtlCol="0">
+              <a:spAutoFit/>
+            </a:bodyPr>
+            <a:lstStyle/>
+            <a:p>
+              <a:r>
+                <a:rPr lang="en-US" sz="600" dirty="0" smtClean="0">
+                  <a:latin typeface="Arial" charset="0"/>
+                  <a:ea typeface="Arial" charset="0"/>
+                  <a:cs typeface="Arial" charset="0"/>
+                </a:rPr>
+                <a:t>WC not found by R-scape</a:t>
+              </a:r>
+              <a:endParaRPr lang="en-US" sz="700" dirty="0">
+                <a:latin typeface="Arial" charset="0"/>
+                <a:ea typeface="Arial" charset="0"/>
+                <a:cs typeface="Arial" charset="0"/>
+              </a:endParaRPr>
+            </a:p>
+          </p:txBody>
+        </p:sp>
+      </p:grpSp>
+      <p:grpSp>
+        <p:nvGrpSpPr>
+          <p:cNvPr id="38" name="Group 37"/>
+          <p:cNvGrpSpPr/>
+          <p:nvPr/>
+        </p:nvGrpSpPr>
+        <p:grpSpPr>
+          <a:xfrm>
+            <a:off x="4476631" y="2856102"/>
+            <a:ext cx="1545419" cy="1068509"/>
+            <a:chOff x="4484685" y="1658546"/>
+            <a:chExt cx="1545419" cy="1068509"/>
+          </a:xfrm>
+        </p:grpSpPr>
+        <p:pic>
+          <p:nvPicPr>
+            <p:cNvPr id="31" name="Picture 30"/>
+            <p:cNvPicPr>
+              <a:picLocks noChangeAspect="1"/>
+            </p:cNvPicPr>
+            <p:nvPr/>
+          </p:nvPicPr>
+          <p:blipFill rotWithShape="1">
+            <a:blip r:embed="rId5">
+              <a:extLst>
+                <a:ext uri="{28A0092B-C50C-407E-A947-70E740481C1C}">
+                  <a14:useLocalDpi xmlns:a14="http://schemas.microsoft.com/office/drawing/2010/main" val="0"/>
+                </a:ext>
+              </a:extLst>
+            </a:blip>
+            <a:srcRect l="84973" t="2952" r="9230" b="3668"/>
+            <a:stretch/>
+          </p:blipFill>
+          <p:spPr>
+            <a:xfrm>
+              <a:off x="4744105" y="1834271"/>
+              <a:ext cx="142709" cy="730931"/>
+            </a:xfrm>
+            <a:prstGeom prst="rect">
+              <a:avLst/>
+            </a:prstGeom>
+          </p:spPr>
+        </p:pic>
+        <p:sp>
+          <p:nvSpPr>
+            <p:cNvPr id="32" name="TextBox 31"/>
+            <p:cNvSpPr txBox="1"/>
+            <p:nvPr/>
+          </p:nvSpPr>
+          <p:spPr>
+            <a:xfrm>
+              <a:off x="4487566" y="1658546"/>
+              <a:ext cx="798495" cy="184666"/>
+            </a:xfrm>
+            <a:prstGeom prst="rect">
+              <a:avLst/>
+            </a:prstGeom>
+            <a:noFill/>
+          </p:spPr>
+          <p:txBody>
+            <a:bodyPr wrap="square" rtlCol="0">
+              <a:spAutoFit/>
+            </a:bodyPr>
+            <a:lstStyle/>
+            <a:p>
+              <a:r>
+                <a:rPr lang="en-US" sz="600" dirty="0" smtClean="0">
+                  <a:latin typeface="Arial" charset="0"/>
+                  <a:ea typeface="Arial" charset="0"/>
+                  <a:cs typeface="Arial" charset="0"/>
+                </a:rPr>
+                <a:t>High </a:t>
+              </a:r>
+              <a:r>
+                <a:rPr lang="en-US" sz="600" dirty="0" err="1" smtClean="0">
+                  <a:latin typeface="Arial" charset="0"/>
+                  <a:ea typeface="Arial" charset="0"/>
+                  <a:cs typeface="Arial" charset="0"/>
+                </a:rPr>
+                <a:t>SoM</a:t>
+              </a:r>
+              <a:r>
+                <a:rPr lang="en-US" sz="600" dirty="0" smtClean="0">
+                  <a:latin typeface="Arial" charset="0"/>
+                  <a:ea typeface="Arial" charset="0"/>
+                  <a:cs typeface="Arial" charset="0"/>
+                </a:rPr>
+                <a:t> score</a:t>
+              </a:r>
+              <a:endParaRPr lang="en-US" sz="600" dirty="0">
+                <a:latin typeface="Arial" charset="0"/>
+                <a:ea typeface="Arial" charset="0"/>
+                <a:cs typeface="Arial" charset="0"/>
+              </a:endParaRPr>
+            </a:p>
+          </p:txBody>
+        </p:sp>
+        <p:sp>
+          <p:nvSpPr>
+            <p:cNvPr id="33" name="TextBox 32"/>
+            <p:cNvSpPr txBox="1"/>
+            <p:nvPr/>
+          </p:nvSpPr>
+          <p:spPr>
+            <a:xfrm>
+              <a:off x="4484685" y="2542389"/>
+              <a:ext cx="798495" cy="184666"/>
+            </a:xfrm>
+            <a:prstGeom prst="rect">
+              <a:avLst/>
+            </a:prstGeom>
+            <a:noFill/>
+          </p:spPr>
+          <p:txBody>
+            <a:bodyPr wrap="square" rtlCol="0">
+              <a:spAutoFit/>
+            </a:bodyPr>
+            <a:lstStyle/>
+            <a:p>
+              <a:r>
+                <a:rPr lang="en-US" sz="600" dirty="0" smtClean="0">
+                  <a:latin typeface="Arial" charset="0"/>
+                  <a:ea typeface="Arial" charset="0"/>
+                  <a:cs typeface="Arial" charset="0"/>
+                </a:rPr>
+                <a:t>Low </a:t>
+              </a:r>
+              <a:r>
+                <a:rPr lang="en-US" sz="600" dirty="0" err="1" smtClean="0">
+                  <a:latin typeface="Arial" charset="0"/>
+                  <a:ea typeface="Arial" charset="0"/>
+                  <a:cs typeface="Arial" charset="0"/>
+                </a:rPr>
+                <a:t>SoM</a:t>
+              </a:r>
+              <a:r>
+                <a:rPr lang="en-US" sz="600" dirty="0" smtClean="0">
+                  <a:latin typeface="Arial" charset="0"/>
+                  <a:ea typeface="Arial" charset="0"/>
+                  <a:cs typeface="Arial" charset="0"/>
+                </a:rPr>
+                <a:t> score</a:t>
+              </a:r>
+              <a:endParaRPr lang="en-US" sz="600" dirty="0">
+                <a:latin typeface="Arial" charset="0"/>
+                <a:ea typeface="Arial" charset="0"/>
+                <a:cs typeface="Arial" charset="0"/>
+              </a:endParaRPr>
+            </a:p>
+          </p:txBody>
+        </p:sp>
+        <p:pic>
+          <p:nvPicPr>
+            <p:cNvPr id="35" name="Picture 34"/>
+            <p:cNvPicPr>
+              <a:picLocks noChangeAspect="1"/>
+            </p:cNvPicPr>
+            <p:nvPr/>
+          </p:nvPicPr>
+          <p:blipFill rotWithShape="1">
+            <a:blip r:embed="rId6">
+              <a:extLst>
+                <a:ext uri="{28A0092B-C50C-407E-A947-70E740481C1C}">
+                  <a14:useLocalDpi xmlns:a14="http://schemas.microsoft.com/office/drawing/2010/main" val="0"/>
+                </a:ext>
+              </a:extLst>
+            </a:blip>
+            <a:srcRect l="83307" t="3748" r="12616"/>
+            <a:stretch/>
+          </p:blipFill>
+          <p:spPr>
+            <a:xfrm>
+              <a:off x="5524035" y="1846627"/>
+              <a:ext cx="131093" cy="781518"/>
+            </a:xfrm>
+            <a:prstGeom prst="rect">
+              <a:avLst/>
+            </a:prstGeom>
+          </p:spPr>
+        </p:pic>
+        <p:sp>
+          <p:nvSpPr>
+            <p:cNvPr id="36" name="TextBox 35"/>
+            <p:cNvSpPr txBox="1"/>
+            <p:nvPr/>
+          </p:nvSpPr>
+          <p:spPr>
+            <a:xfrm>
+              <a:off x="5146676" y="1662388"/>
+              <a:ext cx="883428" cy="184666"/>
+            </a:xfrm>
+            <a:prstGeom prst="rect">
+              <a:avLst/>
+            </a:prstGeom>
+            <a:noFill/>
+          </p:spPr>
+          <p:txBody>
+            <a:bodyPr wrap="square" rtlCol="0">
+              <a:spAutoFit/>
+            </a:bodyPr>
+            <a:lstStyle/>
+            <a:p>
+              <a:r>
+                <a:rPr lang="en-US" sz="600" smtClean="0">
+                  <a:latin typeface="Arial" charset="0"/>
+                  <a:ea typeface="Arial" charset="0"/>
+                  <a:cs typeface="Arial" charset="0"/>
+                </a:rPr>
+                <a:t>High </a:t>
+              </a:r>
+              <a:r>
+                <a:rPr lang="en-US" sz="600" smtClean="0">
+                  <a:latin typeface="Arial" charset="0"/>
+                  <a:ea typeface="Arial" charset="0"/>
+                  <a:cs typeface="Arial" charset="0"/>
+                </a:rPr>
+                <a:t>R-scape score</a:t>
+              </a:r>
+              <a:endParaRPr lang="en-US" sz="600" dirty="0">
+                <a:latin typeface="Arial" charset="0"/>
+                <a:ea typeface="Arial" charset="0"/>
+                <a:cs typeface="Arial" charset="0"/>
+              </a:endParaRPr>
+            </a:p>
+          </p:txBody>
+        </p:sp>
+        <p:sp>
+          <p:nvSpPr>
+            <p:cNvPr id="37" name="TextBox 36"/>
+            <p:cNvSpPr txBox="1"/>
+            <p:nvPr/>
+          </p:nvSpPr>
+          <p:spPr>
+            <a:xfrm>
+              <a:off x="5146676" y="2536415"/>
+              <a:ext cx="883428" cy="184666"/>
+            </a:xfrm>
+            <a:prstGeom prst="rect">
+              <a:avLst/>
+            </a:prstGeom>
+            <a:noFill/>
+          </p:spPr>
+          <p:txBody>
+            <a:bodyPr wrap="square" rtlCol="0">
+              <a:spAutoFit/>
+            </a:bodyPr>
+            <a:lstStyle/>
+            <a:p>
+              <a:r>
+                <a:rPr lang="en-US" sz="600" dirty="0" smtClean="0">
+                  <a:latin typeface="Arial" charset="0"/>
+                  <a:ea typeface="Arial" charset="0"/>
+                  <a:cs typeface="Arial" charset="0"/>
+                </a:rPr>
+                <a:t>Low R-scape score</a:t>
+              </a:r>
+              <a:endParaRPr lang="en-US" sz="600" dirty="0">
+                <a:latin typeface="Arial" charset="0"/>
+                <a:ea typeface="Arial" charset="0"/>
+                <a:cs typeface="Arial" charset="0"/>
+              </a:endParaRPr>
+            </a:p>
+          </p:txBody>
+        </p:sp>
+      </p:grpSp>
+      <p:grpSp>
+        <p:nvGrpSpPr>
+          <p:cNvPr id="51" name="Group 50"/>
+          <p:cNvGrpSpPr/>
+          <p:nvPr/>
+        </p:nvGrpSpPr>
+        <p:grpSpPr>
+          <a:xfrm>
+            <a:off x="4746962" y="2327588"/>
+            <a:ext cx="988649" cy="293491"/>
+            <a:chOff x="4746429" y="2298070"/>
+            <a:chExt cx="988649" cy="293491"/>
+          </a:xfrm>
+        </p:grpSpPr>
+        <p:sp>
+          <p:nvSpPr>
+            <p:cNvPr id="40" name="Rounded Rectangle 39"/>
+            <p:cNvSpPr/>
+            <p:nvPr/>
+          </p:nvSpPr>
+          <p:spPr>
+            <a:xfrm>
+              <a:off x="4746429" y="2313959"/>
+              <a:ext cx="862884" cy="261713"/>
+            </a:xfrm>
+            <a:prstGeom prst="roundRect">
+              <a:avLst/>
+            </a:prstGeom>
+            <a:noFill/>
+            <a:ln>
+              <a:solidFill>
+                <a:schemeClr val="accent3">
+                  <a:lumMod val="60000"/>
+                  <a:lumOff val="40000"/>
+                </a:schemeClr>
+              </a:solidFill>
+            </a:ln>
+          </p:spPr>
+          <p:style>
+            <a:lnRef idx="2">
+              <a:schemeClr val="accent1">
+                <a:shade val="50000"/>
+              </a:schemeClr>
+            </a:lnRef>
+            <a:fillRef idx="1">
+              <a:schemeClr val="accent1"/>
+            </a:fillRef>
+            <a:effectRef idx="0">
+              <a:schemeClr val="accent1"/>
+            </a:effectRef>
+            <a:fontRef idx="minor">
+              <a:schemeClr val="lt1"/>
+            </a:fontRef>
+          </p:style>
+          <p:txBody>
+            <a:bodyPr rtlCol="0" anchor="ctr"/>
+            <a:lstStyle/>
+            <a:p>
+              <a:pPr algn="ctr"/>
+              <a:endParaRPr lang="en-US"/>
+            </a:p>
+          </p:txBody>
+        </p:sp>
+        <p:sp>
+          <p:nvSpPr>
+            <p:cNvPr id="44" name="TextBox 43"/>
+            <p:cNvSpPr txBox="1"/>
+            <p:nvPr/>
+          </p:nvSpPr>
+          <p:spPr>
+            <a:xfrm>
+              <a:off x="4907952" y="2298070"/>
+              <a:ext cx="587375" cy="184666"/>
+            </a:xfrm>
+            <a:prstGeom prst="rect">
+              <a:avLst/>
+            </a:prstGeom>
+            <a:noFill/>
+          </p:spPr>
+          <p:txBody>
+            <a:bodyPr wrap="square" rtlCol="0">
+              <a:spAutoFit/>
+            </a:bodyPr>
+            <a:lstStyle/>
+            <a:p>
+              <a:r>
+                <a:rPr lang="en-US" sz="600" dirty="0" err="1" smtClean="0">
+                  <a:latin typeface="Arial" charset="0"/>
+                  <a:ea typeface="Arial" charset="0"/>
+                  <a:cs typeface="Arial" charset="0"/>
+                </a:rPr>
+                <a:t>SoM</a:t>
+              </a:r>
+              <a:r>
+                <a:rPr lang="en-US" sz="600" dirty="0" smtClean="0">
+                  <a:latin typeface="Arial" charset="0"/>
+                  <a:ea typeface="Arial" charset="0"/>
+                  <a:cs typeface="Arial" charset="0"/>
+                </a:rPr>
+                <a:t> TPR</a:t>
+              </a:r>
+              <a:endParaRPr lang="en-US" sz="700" dirty="0">
+                <a:latin typeface="Arial" charset="0"/>
+                <a:ea typeface="Arial" charset="0"/>
+                <a:cs typeface="Arial" charset="0"/>
+              </a:endParaRPr>
+            </a:p>
+          </p:txBody>
+        </p:sp>
+        <p:sp>
+          <p:nvSpPr>
+            <p:cNvPr id="45" name="TextBox 44"/>
+            <p:cNvSpPr txBox="1"/>
+            <p:nvPr/>
+          </p:nvSpPr>
+          <p:spPr>
+            <a:xfrm>
+              <a:off x="4907952" y="2406895"/>
+              <a:ext cx="827126" cy="184666"/>
+            </a:xfrm>
+            <a:prstGeom prst="rect">
+              <a:avLst/>
+            </a:prstGeom>
+            <a:noFill/>
+          </p:spPr>
+          <p:txBody>
+            <a:bodyPr wrap="square" rtlCol="0">
+              <a:spAutoFit/>
+            </a:bodyPr>
+            <a:lstStyle/>
+            <a:p>
+              <a:r>
+                <a:rPr lang="en-US" sz="600" dirty="0" smtClean="0">
+                  <a:latin typeface="Arial" charset="0"/>
+                  <a:ea typeface="Arial" charset="0"/>
+                  <a:cs typeface="Arial" charset="0"/>
+                </a:rPr>
+                <a:t>R-scape TPR</a:t>
+              </a:r>
+              <a:endParaRPr lang="en-US" sz="700" dirty="0">
+                <a:latin typeface="Arial" charset="0"/>
+                <a:ea typeface="Arial" charset="0"/>
+                <a:cs typeface="Arial" charset="0"/>
+              </a:endParaRPr>
+            </a:p>
+          </p:txBody>
+        </p:sp>
+        <p:cxnSp>
+          <p:nvCxnSpPr>
+            <p:cNvPr id="48" name="Straight Connector 47"/>
+            <p:cNvCxnSpPr/>
+            <p:nvPr/>
+          </p:nvCxnSpPr>
+          <p:spPr>
+            <a:xfrm>
+              <a:off x="4798759" y="2390648"/>
+              <a:ext cx="129449" cy="0"/>
+            </a:xfrm>
+            <a:prstGeom prst="line">
+              <a:avLst/>
+            </a:prstGeom>
+            <a:ln w="19050">
+              <a:solidFill>
+                <a:srgbClr val="1F77B4"/>
+              </a:solidFill>
+            </a:ln>
+          </p:spPr>
+          <p:style>
+            <a:lnRef idx="1">
+              <a:schemeClr val="accent1"/>
+            </a:lnRef>
+            <a:fillRef idx="0">
+              <a:schemeClr val="accent1"/>
+            </a:fillRef>
+            <a:effectRef idx="0">
+              <a:schemeClr val="accent1"/>
+            </a:effectRef>
+            <a:fontRef idx="minor">
+              <a:schemeClr val="tx1"/>
+            </a:fontRef>
+          </p:style>
+        </p:cxnSp>
+        <p:cxnSp>
+          <p:nvCxnSpPr>
+            <p:cNvPr id="50" name="Straight Connector 49"/>
+            <p:cNvCxnSpPr/>
+            <p:nvPr/>
+          </p:nvCxnSpPr>
+          <p:spPr>
+            <a:xfrm>
+              <a:off x="4797880" y="2499228"/>
+              <a:ext cx="129449" cy="0"/>
+            </a:xfrm>
+            <a:prstGeom prst="line">
+              <a:avLst/>
+            </a:prstGeom>
+            <a:ln w="19050">
+              <a:solidFill>
+                <a:srgbClr val="CA181C"/>
+              </a:solidFill>
+            </a:ln>
+          </p:spPr>
+          <p:style>
+            <a:lnRef idx="1">
+              <a:schemeClr val="accent1"/>
+            </a:lnRef>
+            <a:fillRef idx="0">
+              <a:schemeClr val="accent1"/>
+            </a:fillRef>
+            <a:effectRef idx="0">
+              <a:schemeClr val="accent1"/>
+            </a:effectRef>
+            <a:fontRef idx="minor">
+              <a:schemeClr val="tx1"/>
+            </a:fontRef>
+          </p:style>
+        </p:cxnSp>
+      </p:grpSp>
+      <p:sp>
+        <p:nvSpPr>
+          <p:cNvPr id="39" name="TextBox 38"/>
+          <p:cNvSpPr txBox="1"/>
+          <p:nvPr/>
+        </p:nvSpPr>
+        <p:spPr>
+          <a:xfrm>
+            <a:off x="369811" y="3372325"/>
+            <a:ext cx="4169664" cy="492443"/>
+          </a:xfrm>
+          <a:prstGeom prst="rect">
+            <a:avLst/>
+          </a:prstGeom>
+          <a:noFill/>
+        </p:spPr>
+        <p:txBody>
+          <a:bodyPr wrap="square" rtlCol="0">
+            <a:spAutoFit/>
+          </a:bodyPr>
+          <a:lstStyle/>
+          <a:p>
+            <a:r>
+              <a:rPr lang="en-US" sz="1600" b="1" dirty="0" smtClean="0"/>
+              <a:t>D - </a:t>
+            </a:r>
+            <a:r>
+              <a:rPr lang="en-US" sz="1050" dirty="0">
+                <a:latin typeface="Arial" charset="0"/>
+                <a:ea typeface="Arial" charset="0"/>
+                <a:cs typeface="Arial" charset="0"/>
+              </a:rPr>
+              <a:t>SAM riboswitch (S box leader</a:t>
+            </a:r>
+            <a:r>
+              <a:rPr lang="en-US" sz="1050" dirty="0" smtClean="0">
+                <a:latin typeface="Arial" charset="0"/>
+                <a:ea typeface="Arial" charset="0"/>
+                <a:cs typeface="Arial" charset="0"/>
+              </a:rPr>
+              <a:t>) (RF00162</a:t>
+            </a:r>
+            <a:r>
+              <a:rPr lang="en-US" sz="1050" dirty="0" smtClean="0">
+                <a:latin typeface="Arial" charset="0"/>
+                <a:ea typeface="Arial" charset="0"/>
+                <a:cs typeface="Arial" charset="0"/>
+              </a:rPr>
+              <a:t>)</a:t>
+            </a:r>
+          </a:p>
+          <a:p>
+            <a:r>
+              <a:rPr lang="en-US" sz="1000" dirty="0" smtClean="0">
+                <a:latin typeface="Arial" charset="0"/>
+                <a:ea typeface="Arial" charset="0"/>
+                <a:cs typeface="Arial" charset="0"/>
+              </a:rPr>
+              <a:t>	Length = 108	M = 4757	</a:t>
+            </a:r>
+            <a:r>
+              <a:rPr lang="en-US" sz="1000" dirty="0" err="1" smtClean="0">
+                <a:latin typeface="Arial" charset="0"/>
+                <a:ea typeface="Arial" charset="0"/>
+                <a:cs typeface="Arial" charset="0"/>
+              </a:rPr>
+              <a:t>M</a:t>
+            </a:r>
+            <a:r>
+              <a:rPr lang="en-US" sz="1000" baseline="-25000" dirty="0" err="1" smtClean="0">
+                <a:latin typeface="Arial" charset="0"/>
+                <a:ea typeface="Arial" charset="0"/>
+                <a:cs typeface="Arial" charset="0"/>
+              </a:rPr>
+              <a:t>eff</a:t>
+            </a:r>
+            <a:r>
+              <a:rPr lang="en-US" sz="1000" dirty="0" smtClean="0">
+                <a:latin typeface="Arial" charset="0"/>
+                <a:ea typeface="Arial" charset="0"/>
+                <a:cs typeface="Arial" charset="0"/>
+              </a:rPr>
+              <a:t> = 585.7</a:t>
+            </a:r>
+            <a:endParaRPr lang="en-US" sz="1000" dirty="0">
+              <a:latin typeface="Arial" charset="0"/>
+              <a:ea typeface="Arial" charset="0"/>
+              <a:cs typeface="Arial" charset="0"/>
+            </a:endParaRPr>
+          </a:p>
+        </p:txBody>
+      </p:sp>
+    </p:spTree>
+    <p:extLst>
+      <p:ext uri="{BB962C8B-B14F-4D97-AF65-F5344CB8AC3E}">
+        <p14:creationId xmlns:p14="http://schemas.microsoft.com/office/powerpoint/2010/main" val="138408939"/>
+      </p:ext>
+    </p:extLst>
+  </p:cSld>
+  <p:clrMapOvr>
+    <a:masterClrMapping/>
+  </p:clrMapOvr>
+  <p:timing>
+    <p:tnLst>
+      <p:par>
+        <p:cTn id="1" dur="indefinite" restart="never" nodeType="tmRoot"/>
+      </p:par>
+    </p:tnLst>
+  </p:timing>
 </p:sld>
 </file>
 
